--- a/TPFC+HernandezMartinv3c.pptx
+++ b/TPFC+HernandezMartinv3c.pptx
@@ -4,6 +4,9 @@
   <p:sldMasterIdLst>
     <p:sldMasterId id="2147483648" r:id="rId1"/>
   </p:sldMasterIdLst>
+  <p:notesMasterIdLst>
+    <p:notesMasterId r:id="rId31"/>
+  </p:notesMasterIdLst>
   <p:sldIdLst>
     <p:sldId id="257" r:id="rId2"/>
     <p:sldId id="260" r:id="rId3"/>
@@ -32,7 +35,8 @@
     <p:sldId id="286" r:id="rId26"/>
     <p:sldId id="289" r:id="rId27"/>
     <p:sldId id="292" r:id="rId28"/>
-    <p:sldId id="290" r:id="rId29"/>
+    <p:sldId id="293" r:id="rId29"/>
+    <p:sldId id="290" r:id="rId30"/>
   </p:sldIdLst>
   <p:sldSz cx="12192000" cy="6858000"/>
   <p:notesSz cx="6858000" cy="9144000"/>
@@ -149,6 +153,440 @@
     </p:extLst>
   </p:cmAuthor>
 </p:cmAuthorLst>
+</file>
+
+<file path=ppt/notesMasters/notesMaster1.xml><?xml version="1.0" encoding="utf-8"?>
+<p:notesMaster xmlns:a="http://schemas.openxmlformats.org/drawingml/2006/main" xmlns:r="http://schemas.openxmlformats.org/officeDocument/2006/relationships" xmlns:p="http://schemas.openxmlformats.org/presentationml/2006/main">
+  <p:cSld>
+    <p:bg>
+      <p:bgRef idx="1001">
+        <a:schemeClr val="bg1"/>
+      </p:bgRef>
+    </p:bg>
+    <p:spTree>
+      <p:nvGrpSpPr>
+        <p:cNvPr id="1" name=""/>
+        <p:cNvGrpSpPr/>
+        <p:nvPr/>
+      </p:nvGrpSpPr>
+      <p:grpSpPr>
+        <a:xfrm>
+          <a:off x="0" y="0"/>
+          <a:ext cx="0" cy="0"/>
+          <a:chOff x="0" y="0"/>
+          <a:chExt cx="0" cy="0"/>
+        </a:xfrm>
+      </p:grpSpPr>
+      <p:sp>
+        <p:nvSpPr>
+          <p:cNvPr id="2" name="Marcador de encabezado 1"/>
+          <p:cNvSpPr>
+            <a:spLocks noGrp="1"/>
+          </p:cNvSpPr>
+          <p:nvPr>
+            <p:ph type="hdr" sz="quarter"/>
+          </p:nvPr>
+        </p:nvSpPr>
+        <p:spPr>
+          <a:xfrm>
+            <a:off x="0" y="0"/>
+            <a:ext cx="2971800" cy="458788"/>
+          </a:xfrm>
+          <a:prstGeom prst="rect">
+            <a:avLst/>
+          </a:prstGeom>
+        </p:spPr>
+        <p:txBody>
+          <a:bodyPr vert="horz" lIns="91440" tIns="45720" rIns="91440" bIns="45720" rtlCol="0"/>
+          <a:lstStyle>
+            <a:lvl1pPr algn="l">
+              <a:defRPr sz="1200"/>
+            </a:lvl1pPr>
+          </a:lstStyle>
+          <a:p>
+            <a:endParaRPr lang="es-AR"/>
+          </a:p>
+        </p:txBody>
+      </p:sp>
+      <p:sp>
+        <p:nvSpPr>
+          <p:cNvPr id="3" name="Marcador de fecha 2"/>
+          <p:cNvSpPr>
+            <a:spLocks noGrp="1"/>
+          </p:cNvSpPr>
+          <p:nvPr>
+            <p:ph type="dt" idx="1"/>
+          </p:nvPr>
+        </p:nvSpPr>
+        <p:spPr>
+          <a:xfrm>
+            <a:off x="3884613" y="0"/>
+            <a:ext cx="2971800" cy="458788"/>
+          </a:xfrm>
+          <a:prstGeom prst="rect">
+            <a:avLst/>
+          </a:prstGeom>
+        </p:spPr>
+        <p:txBody>
+          <a:bodyPr vert="horz" lIns="91440" tIns="45720" rIns="91440" bIns="45720" rtlCol="0"/>
+          <a:lstStyle>
+            <a:lvl1pPr algn="r">
+              <a:defRPr sz="1200"/>
+            </a:lvl1pPr>
+          </a:lstStyle>
+          <a:p>
+            <a:fld id="{5B68795C-0FD9-4584-A06A-4F9B7A768286}" type="datetimeFigureOut">
+              <a:rPr lang="es-AR" smtClean="0"/>
+              <a:t>29/04/2025</a:t>
+            </a:fld>
+            <a:endParaRPr lang="es-AR"/>
+          </a:p>
+        </p:txBody>
+      </p:sp>
+      <p:sp>
+        <p:nvSpPr>
+          <p:cNvPr id="4" name="Marcador de imagen de diapositiva 3"/>
+          <p:cNvSpPr>
+            <a:spLocks noGrp="1" noRot="1" noChangeAspect="1"/>
+          </p:cNvSpPr>
+          <p:nvPr>
+            <p:ph type="sldImg" idx="2"/>
+          </p:nvPr>
+        </p:nvSpPr>
+        <p:spPr>
+          <a:xfrm>
+            <a:off x="685800" y="1143000"/>
+            <a:ext cx="5486400" cy="3086100"/>
+          </a:xfrm>
+          <a:prstGeom prst="rect">
+            <a:avLst/>
+          </a:prstGeom>
+          <a:noFill/>
+          <a:ln w="12700">
+            <a:solidFill>
+              <a:prstClr val="black"/>
+            </a:solidFill>
+          </a:ln>
+        </p:spPr>
+        <p:txBody>
+          <a:bodyPr vert="horz" lIns="91440" tIns="45720" rIns="91440" bIns="45720" rtlCol="0" anchor="ctr"/>
+          <a:lstStyle/>
+          <a:p>
+            <a:endParaRPr lang="es-AR"/>
+          </a:p>
+        </p:txBody>
+      </p:sp>
+      <p:sp>
+        <p:nvSpPr>
+          <p:cNvPr id="5" name="Marcador de notas 4"/>
+          <p:cNvSpPr>
+            <a:spLocks noGrp="1"/>
+          </p:cNvSpPr>
+          <p:nvPr>
+            <p:ph type="body" sz="quarter" idx="3"/>
+          </p:nvPr>
+        </p:nvSpPr>
+        <p:spPr>
+          <a:xfrm>
+            <a:off x="685800" y="4400550"/>
+            <a:ext cx="5486400" cy="3600450"/>
+          </a:xfrm>
+          <a:prstGeom prst="rect">
+            <a:avLst/>
+          </a:prstGeom>
+        </p:spPr>
+        <p:txBody>
+          <a:bodyPr vert="horz" lIns="91440" tIns="45720" rIns="91440" bIns="45720" rtlCol="0"/>
+          <a:lstStyle/>
+          <a:p>
+            <a:pPr lvl="0"/>
+            <a:r>
+              <a:rPr lang="es-ES" smtClean="0"/>
+              <a:t>Editar el estilo de texto del patrón</a:t>
+            </a:r>
+          </a:p>
+          <a:p>
+            <a:pPr lvl="1"/>
+            <a:r>
+              <a:rPr lang="es-ES" smtClean="0"/>
+              <a:t>Segundo nivel</a:t>
+            </a:r>
+          </a:p>
+          <a:p>
+            <a:pPr lvl="2"/>
+            <a:r>
+              <a:rPr lang="es-ES" smtClean="0"/>
+              <a:t>Tercer nivel</a:t>
+            </a:r>
+          </a:p>
+          <a:p>
+            <a:pPr lvl="3"/>
+            <a:r>
+              <a:rPr lang="es-ES" smtClean="0"/>
+              <a:t>Cuarto nivel</a:t>
+            </a:r>
+          </a:p>
+          <a:p>
+            <a:pPr lvl="4"/>
+            <a:r>
+              <a:rPr lang="es-ES" smtClean="0"/>
+              <a:t>Quinto nivel</a:t>
+            </a:r>
+            <a:endParaRPr lang="es-AR"/>
+          </a:p>
+        </p:txBody>
+      </p:sp>
+      <p:sp>
+        <p:nvSpPr>
+          <p:cNvPr id="6" name="Marcador de pie de página 5"/>
+          <p:cNvSpPr>
+            <a:spLocks noGrp="1"/>
+          </p:cNvSpPr>
+          <p:nvPr>
+            <p:ph type="ftr" sz="quarter" idx="4"/>
+          </p:nvPr>
+        </p:nvSpPr>
+        <p:spPr>
+          <a:xfrm>
+            <a:off x="0" y="8685213"/>
+            <a:ext cx="2971800" cy="458787"/>
+          </a:xfrm>
+          <a:prstGeom prst="rect">
+            <a:avLst/>
+          </a:prstGeom>
+        </p:spPr>
+        <p:txBody>
+          <a:bodyPr vert="horz" lIns="91440" tIns="45720" rIns="91440" bIns="45720" rtlCol="0" anchor="b"/>
+          <a:lstStyle>
+            <a:lvl1pPr algn="l">
+              <a:defRPr sz="1200"/>
+            </a:lvl1pPr>
+          </a:lstStyle>
+          <a:p>
+            <a:endParaRPr lang="es-AR"/>
+          </a:p>
+        </p:txBody>
+      </p:sp>
+      <p:sp>
+        <p:nvSpPr>
+          <p:cNvPr id="7" name="Marcador de número de diapositiva 6"/>
+          <p:cNvSpPr>
+            <a:spLocks noGrp="1"/>
+          </p:cNvSpPr>
+          <p:nvPr>
+            <p:ph type="sldNum" sz="quarter" idx="5"/>
+          </p:nvPr>
+        </p:nvSpPr>
+        <p:spPr>
+          <a:xfrm>
+            <a:off x="3884613" y="8685213"/>
+            <a:ext cx="2971800" cy="458787"/>
+          </a:xfrm>
+          <a:prstGeom prst="rect">
+            <a:avLst/>
+          </a:prstGeom>
+        </p:spPr>
+        <p:txBody>
+          <a:bodyPr vert="horz" lIns="91440" tIns="45720" rIns="91440" bIns="45720" rtlCol="0" anchor="b"/>
+          <a:lstStyle>
+            <a:lvl1pPr algn="r">
+              <a:defRPr sz="1200"/>
+            </a:lvl1pPr>
+          </a:lstStyle>
+          <a:p>
+            <a:fld id="{030F30A8-FB04-4FAF-A1D2-E7DC4345D052}" type="slidenum">
+              <a:rPr lang="es-AR" smtClean="0"/>
+              <a:t>‹Nº›</a:t>
+            </a:fld>
+            <a:endParaRPr lang="es-AR"/>
+          </a:p>
+        </p:txBody>
+      </p:sp>
+    </p:spTree>
+    <p:extLst>
+      <p:ext uri="{BB962C8B-B14F-4D97-AF65-F5344CB8AC3E}">
+        <p14:creationId xmlns:p14="http://schemas.microsoft.com/office/powerpoint/2010/main" val="1977771400"/>
+      </p:ext>
+    </p:extLst>
+  </p:cSld>
+  <p:clrMap bg1="lt1" tx1="dk1" bg2="lt2" tx2="dk2" accent1="accent1" accent2="accent2" accent3="accent3" accent4="accent4" accent5="accent5" accent6="accent6" hlink="hlink" folHlink="folHlink"/>
+  <p:notesStyle>
+    <a:lvl1pPr marL="0" algn="l" defTabSz="914400" rtl="0" eaLnBrk="1" latinLnBrk="0" hangingPunct="1">
+      <a:defRPr sz="1200" kern="1200">
+        <a:solidFill>
+          <a:schemeClr val="tx1"/>
+        </a:solidFill>
+        <a:latin typeface="+mn-lt"/>
+        <a:ea typeface="+mn-ea"/>
+        <a:cs typeface="+mn-cs"/>
+      </a:defRPr>
+    </a:lvl1pPr>
+    <a:lvl2pPr marL="457200" algn="l" defTabSz="914400" rtl="0" eaLnBrk="1" latinLnBrk="0" hangingPunct="1">
+      <a:defRPr sz="1200" kern="1200">
+        <a:solidFill>
+          <a:schemeClr val="tx1"/>
+        </a:solidFill>
+        <a:latin typeface="+mn-lt"/>
+        <a:ea typeface="+mn-ea"/>
+        <a:cs typeface="+mn-cs"/>
+      </a:defRPr>
+    </a:lvl2pPr>
+    <a:lvl3pPr marL="914400" algn="l" defTabSz="914400" rtl="0" eaLnBrk="1" latinLnBrk="0" hangingPunct="1">
+      <a:defRPr sz="1200" kern="1200">
+        <a:solidFill>
+          <a:schemeClr val="tx1"/>
+        </a:solidFill>
+        <a:latin typeface="+mn-lt"/>
+        <a:ea typeface="+mn-ea"/>
+        <a:cs typeface="+mn-cs"/>
+      </a:defRPr>
+    </a:lvl3pPr>
+    <a:lvl4pPr marL="1371600" algn="l" defTabSz="914400" rtl="0" eaLnBrk="1" latinLnBrk="0" hangingPunct="1">
+      <a:defRPr sz="1200" kern="1200">
+        <a:solidFill>
+          <a:schemeClr val="tx1"/>
+        </a:solidFill>
+        <a:latin typeface="+mn-lt"/>
+        <a:ea typeface="+mn-ea"/>
+        <a:cs typeface="+mn-cs"/>
+      </a:defRPr>
+    </a:lvl4pPr>
+    <a:lvl5pPr marL="1828800" algn="l" defTabSz="914400" rtl="0" eaLnBrk="1" latinLnBrk="0" hangingPunct="1">
+      <a:defRPr sz="1200" kern="1200">
+        <a:solidFill>
+          <a:schemeClr val="tx1"/>
+        </a:solidFill>
+        <a:latin typeface="+mn-lt"/>
+        <a:ea typeface="+mn-ea"/>
+        <a:cs typeface="+mn-cs"/>
+      </a:defRPr>
+    </a:lvl5pPr>
+    <a:lvl6pPr marL="2286000" algn="l" defTabSz="914400" rtl="0" eaLnBrk="1" latinLnBrk="0" hangingPunct="1">
+      <a:defRPr sz="1200" kern="1200">
+        <a:solidFill>
+          <a:schemeClr val="tx1"/>
+        </a:solidFill>
+        <a:latin typeface="+mn-lt"/>
+        <a:ea typeface="+mn-ea"/>
+        <a:cs typeface="+mn-cs"/>
+      </a:defRPr>
+    </a:lvl6pPr>
+    <a:lvl7pPr marL="2743200" algn="l" defTabSz="914400" rtl="0" eaLnBrk="1" latinLnBrk="0" hangingPunct="1">
+      <a:defRPr sz="1200" kern="1200">
+        <a:solidFill>
+          <a:schemeClr val="tx1"/>
+        </a:solidFill>
+        <a:latin typeface="+mn-lt"/>
+        <a:ea typeface="+mn-ea"/>
+        <a:cs typeface="+mn-cs"/>
+      </a:defRPr>
+    </a:lvl7pPr>
+    <a:lvl8pPr marL="3200400" algn="l" defTabSz="914400" rtl="0" eaLnBrk="1" latinLnBrk="0" hangingPunct="1">
+      <a:defRPr sz="1200" kern="1200">
+        <a:solidFill>
+          <a:schemeClr val="tx1"/>
+        </a:solidFill>
+        <a:latin typeface="+mn-lt"/>
+        <a:ea typeface="+mn-ea"/>
+        <a:cs typeface="+mn-cs"/>
+      </a:defRPr>
+    </a:lvl8pPr>
+    <a:lvl9pPr marL="3657600" algn="l" defTabSz="914400" rtl="0" eaLnBrk="1" latinLnBrk="0" hangingPunct="1">
+      <a:defRPr sz="1200" kern="1200">
+        <a:solidFill>
+          <a:schemeClr val="tx1"/>
+        </a:solidFill>
+        <a:latin typeface="+mn-lt"/>
+        <a:ea typeface="+mn-ea"/>
+        <a:cs typeface="+mn-cs"/>
+      </a:defRPr>
+    </a:lvl9pPr>
+  </p:notesStyle>
+</p:notesMaster>
+</file>
+
+<file path=ppt/notesSlides/notesSlide1.xml><?xml version="1.0" encoding="utf-8"?>
+<p:notes xmlns:a="http://schemas.openxmlformats.org/drawingml/2006/main" xmlns:r="http://schemas.openxmlformats.org/officeDocument/2006/relationships" xmlns:p="http://schemas.openxmlformats.org/presentationml/2006/main">
+  <p:cSld>
+    <p:spTree>
+      <p:nvGrpSpPr>
+        <p:cNvPr id="1" name=""/>
+        <p:cNvGrpSpPr/>
+        <p:nvPr/>
+      </p:nvGrpSpPr>
+      <p:grpSpPr>
+        <a:xfrm>
+          <a:off x="0" y="0"/>
+          <a:ext cx="0" cy="0"/>
+          <a:chOff x="0" y="0"/>
+          <a:chExt cx="0" cy="0"/>
+        </a:xfrm>
+      </p:grpSpPr>
+      <p:sp>
+        <p:nvSpPr>
+          <p:cNvPr id="2" name="Marcador de imagen de diapositiva 1"/>
+          <p:cNvSpPr>
+            <a:spLocks noGrp="1" noRot="1" noChangeAspect="1"/>
+          </p:cNvSpPr>
+          <p:nvPr>
+            <p:ph type="sldImg"/>
+          </p:nvPr>
+        </p:nvSpPr>
+        <p:spPr/>
+      </p:sp>
+      <p:sp>
+        <p:nvSpPr>
+          <p:cNvPr id="3" name="Marcador de notas 2"/>
+          <p:cNvSpPr>
+            <a:spLocks noGrp="1"/>
+          </p:cNvSpPr>
+          <p:nvPr>
+            <p:ph type="body" idx="1"/>
+          </p:nvPr>
+        </p:nvSpPr>
+        <p:spPr/>
+        <p:txBody>
+          <a:bodyPr/>
+          <a:lstStyle/>
+          <a:p>
+            <a:endParaRPr lang="es-AR"/>
+          </a:p>
+        </p:txBody>
+      </p:sp>
+      <p:sp>
+        <p:nvSpPr>
+          <p:cNvPr id="4" name="Marcador de número de diapositiva 3"/>
+          <p:cNvSpPr>
+            <a:spLocks noGrp="1"/>
+          </p:cNvSpPr>
+          <p:nvPr>
+            <p:ph type="sldNum" sz="quarter" idx="10"/>
+          </p:nvPr>
+        </p:nvSpPr>
+        <p:spPr/>
+        <p:txBody>
+          <a:bodyPr/>
+          <a:lstStyle/>
+          <a:p>
+            <a:fld id="{030F30A8-FB04-4FAF-A1D2-E7DC4345D052}" type="slidenum">
+              <a:rPr lang="es-AR" smtClean="0"/>
+              <a:t>1</a:t>
+            </a:fld>
+            <a:endParaRPr lang="es-AR"/>
+          </a:p>
+        </p:txBody>
+      </p:sp>
+    </p:spTree>
+    <p:extLst>
+      <p:ext uri="{BB962C8B-B14F-4D97-AF65-F5344CB8AC3E}">
+        <p14:creationId xmlns:p14="http://schemas.microsoft.com/office/powerpoint/2010/main" val="181589441"/>
+      </p:ext>
+    </p:extLst>
+  </p:cSld>
+  <p:clrMapOvr>
+    <a:masterClrMapping/>
+  </p:clrMapOvr>
+</p:notes>
 </file>
 
 <file path=ppt/slideLayouts/slideLayout1.xml><?xml version="1.0" encoding="utf-8"?>
@@ -3189,7 +3627,7 @@
               <a:t>Compañía: </a:t>
             </a:r>
             <a:r>
-              <a:rPr lang="es-ES" sz="8800" b="1" dirty="0" err="1" smtClean="0">
+              <a:rPr lang="es-ES" sz="8800" b="1" dirty="0" smtClean="0">
                 <a:effectLst>
                   <a:outerShdw blurRad="38100" dist="38100" dir="2700000" algn="tl">
                     <a:srgbClr val="000000">
@@ -3415,7 +3853,7 @@
               <a:t>sobre el análisis de la muestra analizada con </a:t>
             </a:r>
             <a:r>
-              <a:rPr lang="es-AR" b="1" dirty="0" err="1">
+              <a:rPr lang="es-AR" b="1" dirty="0">
                 <a:effectLst>
                   <a:outerShdw blurRad="38100" dist="38100" dir="2700000" algn="tl">
                     <a:srgbClr val="000000">
@@ -3440,7 +3878,7 @@
               <a:t> y </a:t>
             </a:r>
             <a:r>
-              <a:rPr lang="es-AR" b="1" dirty="0" err="1" smtClean="0">
+              <a:rPr lang="es-AR" b="1" dirty="0" smtClean="0">
                 <a:effectLst>
                   <a:outerShdw blurRad="38100" dist="38100" dir="2700000" algn="tl">
                     <a:srgbClr val="000000">
@@ -3883,7 +4321,7 @@
               <a:t>sobre el análisis de la muestra analizada con </a:t>
             </a:r>
             <a:r>
-              <a:rPr lang="es-AR" b="1" dirty="0" err="1">
+              <a:rPr lang="es-AR" b="1" dirty="0">
                 <a:effectLst>
                   <a:outerShdw blurRad="38100" dist="38100" dir="2700000" algn="tl">
                     <a:srgbClr val="000000">
@@ -3908,7 +4346,7 @@
               <a:t> y </a:t>
             </a:r>
             <a:r>
-              <a:rPr lang="es-AR" b="1" dirty="0" err="1" smtClean="0">
+              <a:rPr lang="es-AR" b="1" dirty="0" smtClean="0">
                 <a:effectLst>
                   <a:outerShdw blurRad="38100" dist="38100" dir="2700000" algn="tl">
                     <a:srgbClr val="000000">
@@ -4285,7 +4723,7 @@
               <a:t>sobre el análisis de la muestra analizada con </a:t>
             </a:r>
             <a:r>
-              <a:rPr lang="es-AR" b="1" dirty="0" err="1">
+              <a:rPr lang="es-AR" b="1" dirty="0">
                 <a:effectLst>
                   <a:outerShdw blurRad="38100" dist="38100" dir="2700000" algn="tl">
                     <a:srgbClr val="000000">
@@ -4310,7 +4748,7 @@
               <a:t> y </a:t>
             </a:r>
             <a:r>
-              <a:rPr lang="es-AR" b="1" dirty="0" err="1" smtClean="0">
+              <a:rPr lang="es-AR" b="1" dirty="0" smtClean="0">
                 <a:effectLst>
                   <a:outerShdw blurRad="38100" dist="38100" dir="2700000" algn="tl">
                     <a:srgbClr val="000000">
@@ -4687,7 +5125,7 @@
               <a:t>sobre el análisis de la muestra analizada con </a:t>
             </a:r>
             <a:r>
-              <a:rPr lang="es-AR" b="1" dirty="0" err="1">
+              <a:rPr lang="es-AR" b="1" dirty="0">
                 <a:effectLst>
                   <a:outerShdw blurRad="38100" dist="38100" dir="2700000" algn="tl">
                     <a:srgbClr val="000000">
@@ -4712,7 +5150,7 @@
               <a:t> y </a:t>
             </a:r>
             <a:r>
-              <a:rPr lang="es-AR" b="1" dirty="0" err="1" smtClean="0">
+              <a:rPr lang="es-AR" b="1" dirty="0" smtClean="0">
                 <a:effectLst>
                   <a:outerShdw blurRad="38100" dist="38100" dir="2700000" algn="tl">
                     <a:srgbClr val="000000">
@@ -5332,7 +5770,7 @@
               <a:t>sobre el análisis de la muestra analizada con </a:t>
             </a:r>
             <a:r>
-              <a:rPr lang="es-AR" b="1" dirty="0" err="1">
+              <a:rPr lang="es-AR" b="1" dirty="0">
                 <a:effectLst>
                   <a:outerShdw blurRad="38100" dist="38100" dir="2700000" algn="tl">
                     <a:srgbClr val="000000">
@@ -5357,7 +5795,7 @@
               <a:t> y </a:t>
             </a:r>
             <a:r>
-              <a:rPr lang="es-AR" b="1" dirty="0" err="1" smtClean="0">
+              <a:rPr lang="es-AR" b="1" dirty="0" smtClean="0">
                 <a:effectLst>
                   <a:outerShdw blurRad="38100" dist="38100" dir="2700000" algn="tl">
                     <a:srgbClr val="000000">
@@ -5734,7 +6172,7 @@
               <a:t>sobre el análisis de la muestra analizada con </a:t>
             </a:r>
             <a:r>
-              <a:rPr lang="es-AR" b="1" dirty="0" err="1">
+              <a:rPr lang="es-AR" b="1" dirty="0">
                 <a:effectLst>
                   <a:outerShdw blurRad="38100" dist="38100" dir="2700000" algn="tl">
                     <a:srgbClr val="000000">
@@ -5759,7 +6197,7 @@
               <a:t> y </a:t>
             </a:r>
             <a:r>
-              <a:rPr lang="es-AR" b="1" dirty="0" err="1" smtClean="0">
+              <a:rPr lang="es-AR" b="1" dirty="0" smtClean="0">
                 <a:effectLst>
                   <a:outerShdw blurRad="38100" dist="38100" dir="2700000" algn="tl">
                     <a:srgbClr val="000000">
@@ -6211,7 +6649,7 @@
               <a:t>sobre el análisis de la muestra analizada con </a:t>
             </a:r>
             <a:r>
-              <a:rPr lang="es-AR" b="1" dirty="0" err="1">
+              <a:rPr lang="es-AR" b="1" dirty="0">
                 <a:effectLst>
                   <a:outerShdw blurRad="38100" dist="38100" dir="2700000" algn="tl">
                     <a:srgbClr val="000000">
@@ -6236,7 +6674,7 @@
               <a:t> y </a:t>
             </a:r>
             <a:r>
-              <a:rPr lang="es-AR" b="1" dirty="0" err="1" smtClean="0">
+              <a:rPr lang="es-AR" b="1" dirty="0" smtClean="0">
                 <a:effectLst>
                   <a:outerShdw blurRad="38100" dist="38100" dir="2700000" algn="tl">
                     <a:srgbClr val="000000">
@@ -6598,7 +7036,7 @@
               <a:t>sobre el análisis de la muestra analizada con </a:t>
             </a:r>
             <a:r>
-              <a:rPr lang="es-AR" b="1" dirty="0" err="1">
+              <a:rPr lang="es-AR" b="1" dirty="0">
                 <a:effectLst>
                   <a:outerShdw blurRad="38100" dist="38100" dir="2700000" algn="tl">
                     <a:srgbClr val="000000">
@@ -6623,7 +7061,7 @@
               <a:t> y </a:t>
             </a:r>
             <a:r>
-              <a:rPr lang="es-AR" b="1" dirty="0" err="1" smtClean="0">
+              <a:rPr lang="es-AR" b="1" dirty="0" smtClean="0">
                 <a:effectLst>
                   <a:outerShdw blurRad="38100" dist="38100" dir="2700000" algn="tl">
                     <a:srgbClr val="000000">
@@ -6991,7 +7429,7 @@
               <a:t>sobre el análisis de la muestra analizada con </a:t>
             </a:r>
             <a:r>
-              <a:rPr lang="es-AR" b="1" dirty="0" err="1">
+              <a:rPr lang="es-AR" b="1" dirty="0">
                 <a:effectLst>
                   <a:outerShdw blurRad="38100" dist="38100" dir="2700000" algn="tl">
                     <a:srgbClr val="000000">
@@ -7016,7 +7454,7 @@
               <a:t> y </a:t>
             </a:r>
             <a:r>
-              <a:rPr lang="es-AR" b="1" dirty="0" err="1" smtClean="0">
+              <a:rPr lang="es-AR" b="1" dirty="0" smtClean="0">
                 <a:effectLst>
                   <a:outerShdw blurRad="38100" dist="38100" dir="2700000" algn="tl">
                     <a:srgbClr val="000000">
@@ -7561,7 +7999,7 @@
               <a:t>sobre el análisis de la muestra analizada con </a:t>
             </a:r>
             <a:r>
-              <a:rPr lang="es-AR" b="1" dirty="0" err="1">
+              <a:rPr lang="es-AR" b="1" dirty="0">
                 <a:effectLst>
                   <a:outerShdw blurRad="38100" dist="38100" dir="2700000" algn="tl">
                     <a:srgbClr val="000000">
@@ -7586,7 +8024,7 @@
               <a:t> y </a:t>
             </a:r>
             <a:r>
-              <a:rPr lang="es-AR" b="1" dirty="0" err="1" smtClean="0">
+              <a:rPr lang="es-AR" b="1" dirty="0" smtClean="0">
                 <a:effectLst>
                   <a:outerShdw blurRad="38100" dist="38100" dir="2700000" algn="tl">
                     <a:srgbClr val="000000">
@@ -8191,7 +8629,7 @@
               <a:t>sobre el análisis de la muestra analizada con </a:t>
             </a:r>
             <a:r>
-              <a:rPr lang="es-AR" b="1" dirty="0" err="1">
+              <a:rPr lang="es-AR" b="1" dirty="0">
                 <a:effectLst>
                   <a:outerShdw blurRad="38100" dist="38100" dir="2700000" algn="tl">
                     <a:srgbClr val="000000">
@@ -8216,7 +8654,7 @@
               <a:t> y </a:t>
             </a:r>
             <a:r>
-              <a:rPr lang="es-AR" b="1" dirty="0" err="1" smtClean="0">
+              <a:rPr lang="es-AR" b="1" dirty="0" smtClean="0">
                 <a:effectLst>
                   <a:outerShdw blurRad="38100" dist="38100" dir="2700000" algn="tl">
                     <a:srgbClr val="000000">
@@ -10994,7 +11432,11 @@
           <a:p>
             <a:r>
               <a:rPr lang="es-AR" sz="2800" b="1" dirty="0" smtClean="0"/>
-              <a:t>De acuerdo a la situación ocurrida, se sugiere lo siguiente:</a:t>
+              <a:t>De acuerdo a la situación ocurrida, se sugiere </a:t>
+            </a:r>
+            <a:r>
+              <a:rPr lang="es-AR" sz="2800" b="1" dirty="0" smtClean="0"/>
+              <a:t>la siguiente Solución:</a:t>
             </a:r>
             <a:endParaRPr lang="es-AR" sz="2400" dirty="0"/>
           </a:p>
@@ -11009,7 +11451,7 @@
         <p:spPr>
           <a:xfrm>
             <a:off x="895349" y="1667930"/>
-            <a:ext cx="11000163" cy="4739759"/>
+            <a:ext cx="11096626" cy="5047536"/>
           </a:xfrm>
           <a:prstGeom prst="rect">
             <a:avLst/>
@@ -11027,34 +11469,34 @@
               <a:buAutoNum type="arabicPeriod"/>
             </a:pPr>
             <a:r>
-              <a:rPr lang="es-AR" sz="1600" b="1" dirty="0" smtClean="0"/>
+              <a:rPr lang="es-AR" sz="1400" b="1" dirty="0" smtClean="0"/>
               <a:t>Software de Protección</a:t>
             </a:r>
             <a:r>
-              <a:rPr lang="es-AR" sz="1600" dirty="0" smtClean="0"/>
+              <a:rPr lang="es-AR" sz="1400" dirty="0" smtClean="0"/>
               <a:t>: Implementar una solución </a:t>
             </a:r>
             <a:r>
-              <a:rPr lang="es-AR" sz="1600" dirty="0"/>
+              <a:rPr lang="es-AR" sz="1400" dirty="0"/>
               <a:t>de </a:t>
             </a:r>
             <a:r>
-              <a:rPr lang="es-AR" sz="1600" dirty="0" smtClean="0"/>
+              <a:rPr lang="es-AR" sz="1400" dirty="0" smtClean="0"/>
               <a:t>Protección EDR o XDR </a:t>
             </a:r>
             <a:r>
-              <a:rPr lang="es-AR" sz="1600" dirty="0"/>
+              <a:rPr lang="es-AR" sz="1400" dirty="0"/>
               <a:t>para detectar y responder ante </a:t>
             </a:r>
             <a:r>
-              <a:rPr lang="es-AR" sz="1600" dirty="0" smtClean="0"/>
+              <a:rPr lang="es-AR" sz="1400" dirty="0" smtClean="0"/>
               <a:t>una actividad </a:t>
             </a:r>
             <a:r>
-              <a:rPr lang="es-AR" sz="1600" dirty="0" smtClean="0"/>
-              <a:t>maliciosa en tiempo real.</a:t>
-            </a:r>
-            <a:endParaRPr lang="es-AR" sz="1600" dirty="0" smtClean="0"/>
+              <a:rPr lang="es-AR" sz="1400" dirty="0" smtClean="0"/>
+              <a:t>maliciosa en tiempo real en los endpoints de la corporación.</a:t>
+            </a:r>
+            <a:endParaRPr lang="es-AR" sz="1400" dirty="0" smtClean="0"/>
           </a:p>
           <a:p>
             <a:pPr marL="342900" indent="-342900">
@@ -11062,27 +11504,27 @@
               <a:buAutoNum type="arabicPeriod"/>
             </a:pPr>
             <a:r>
-              <a:rPr lang="es-AR" sz="1600" b="1" dirty="0" smtClean="0"/>
+              <a:rPr lang="es-AR" sz="1400" b="1" dirty="0" smtClean="0"/>
               <a:t>Parches y Actualizaciones:</a:t>
             </a:r>
             <a:r>
-              <a:rPr lang="es-AR" sz="1600" dirty="0" smtClean="0"/>
-              <a:t> Aplicar en los sistemas los </a:t>
-            </a:r>
-            <a:r>
-              <a:rPr lang="es-AR" sz="1600" dirty="0" smtClean="0"/>
-              <a:t>últimos parches </a:t>
-            </a:r>
-            <a:r>
-              <a:rPr lang="es-AR" sz="1600" dirty="0"/>
+              <a:rPr lang="es-AR" sz="1400" dirty="0" smtClean="0"/>
+              <a:t> Aplicar en los sistemas </a:t>
+            </a:r>
+            <a:r>
+              <a:rPr lang="es-AR" sz="1400" dirty="0" smtClean="0"/>
+              <a:t>endpoints los últimos parches </a:t>
+            </a:r>
+            <a:r>
+              <a:rPr lang="es-AR" sz="1400" dirty="0"/>
               <a:t>y </a:t>
             </a:r>
             <a:r>
-              <a:rPr lang="es-AR" sz="1600" dirty="0" smtClean="0"/>
+              <a:rPr lang="es-AR" sz="1400" dirty="0" smtClean="0"/>
               <a:t>actualizaciones, sobre todo del </a:t>
             </a:r>
             <a:r>
-              <a:rPr lang="es-AR" sz="1600" dirty="0" smtClean="0"/>
+              <a:rPr lang="es-AR" sz="1400" dirty="0" smtClean="0"/>
               <a:t>tipo “Seguridad” y “Criticas” de manera inmediata.</a:t>
             </a:r>
           </a:p>
@@ -11092,63 +11534,79 @@
               <a:buAutoNum type="arabicPeriod"/>
             </a:pPr>
             <a:r>
-              <a:rPr lang="es-ES" sz="1600" b="1" dirty="0" smtClean="0"/>
+              <a:rPr lang="es-ES" sz="1400" b="1" dirty="0" smtClean="0"/>
               <a:t>Copias de Respaldo</a:t>
             </a:r>
             <a:r>
-              <a:rPr lang="es-ES" sz="1600" dirty="0" smtClean="0"/>
+              <a:rPr lang="es-ES" sz="1400" dirty="0" smtClean="0"/>
               <a:t>: Contar con copias </a:t>
             </a:r>
             <a:r>
-              <a:rPr lang="es-ES" sz="1600" dirty="0" smtClean="0"/>
+              <a:rPr lang="es-ES" sz="1400" dirty="0" smtClean="0"/>
               <a:t>de </a:t>
             </a:r>
             <a:r>
-              <a:rPr lang="es-ES" sz="1600" dirty="0" smtClean="0"/>
-              <a:t>seguridad de todos los equipos (que sean necesarios</a:t>
-            </a:r>
-            <a:r>
-              <a:rPr lang="es-ES" sz="1600" dirty="0" smtClean="0"/>
+              <a:rPr lang="es-ES" sz="1400" dirty="0" smtClean="0"/>
+              <a:t>seguridad de todos los equipos </a:t>
+            </a:r>
+            <a:r>
+              <a:rPr lang="es-ES" sz="1400" dirty="0" smtClean="0"/>
+              <a:t>(</a:t>
+            </a:r>
+            <a:r>
+              <a:rPr lang="es-ES" sz="1400" dirty="0" err="1" smtClean="0"/>
+              <a:t>endpoints</a:t>
+            </a:r>
+            <a:r>
+              <a:rPr lang="es-ES" sz="1400" dirty="0" smtClean="0"/>
+              <a:t>, servers, </a:t>
+            </a:r>
+            <a:r>
+              <a:rPr lang="es-ES" sz="1400" dirty="0" err="1" smtClean="0"/>
+              <a:t>etc</a:t>
+            </a:r>
+            <a:r>
+              <a:rPr lang="es-ES" sz="1400" dirty="0" smtClean="0"/>
+              <a:t>, que </a:t>
+            </a:r>
+            <a:r>
+              <a:rPr lang="es-ES" sz="1400" dirty="0" smtClean="0"/>
+              <a:t>sean necesarios</a:t>
+            </a:r>
+            <a:r>
+              <a:rPr lang="es-ES" sz="1400" dirty="0" smtClean="0"/>
               <a:t>), </a:t>
             </a:r>
             <a:r>
-              <a:rPr lang="es-ES" sz="1600" dirty="0" smtClean="0"/>
-              <a:t>para tener el 100% de </a:t>
-            </a:r>
-            <a:r>
-              <a:rPr lang="es-ES" sz="1600" dirty="0" err="1" smtClean="0"/>
-              <a:t>LexCorp</a:t>
-            </a:r>
-            <a:r>
-              <a:rPr lang="es-ES" sz="1600" dirty="0" smtClean="0"/>
-              <a:t> trabajando</a:t>
-            </a:r>
-            <a:r>
-              <a:rPr lang="es-ES" sz="1600" dirty="0" smtClean="0"/>
-              <a:t>. </a:t>
-            </a:r>
-            <a:r>
-              <a:rPr lang="es-AR" sz="1600" dirty="0" smtClean="0"/>
+              <a:rPr lang="es-ES" sz="1400" dirty="0" smtClean="0"/>
+              <a:t>para tener el 100% de LexCorp </a:t>
+            </a:r>
+            <a:r>
+              <a:rPr lang="es-ES" sz="1400" dirty="0" smtClean="0"/>
+              <a:t>operativo. </a:t>
+            </a:r>
+            <a:r>
+              <a:rPr lang="es-AR" sz="1400" dirty="0" smtClean="0"/>
               <a:t>La </a:t>
             </a:r>
             <a:r>
-              <a:rPr lang="es-AR" sz="1600" dirty="0"/>
+              <a:rPr lang="es-AR" sz="1400" dirty="0"/>
               <a:t>baja cobertura de </a:t>
             </a:r>
             <a:r>
-              <a:rPr lang="es-AR" sz="1600" dirty="0" smtClean="0"/>
+              <a:rPr lang="es-AR" sz="1400" dirty="0" smtClean="0"/>
               <a:t>back ups </a:t>
             </a:r>
             <a:r>
-              <a:rPr lang="es-AR" sz="1600" dirty="0"/>
+              <a:rPr lang="es-AR" sz="1400" dirty="0"/>
               <a:t>representa un riesgo elevado para la continuidad del negocio y grave deficiencia en la estrategia de recuperación ante desastres</a:t>
             </a:r>
             <a:r>
-              <a:rPr lang="es-AR" sz="1600" dirty="0" smtClean="0"/>
+              <a:rPr lang="es-AR" sz="1400" dirty="0" smtClean="0"/>
               <a:t>. E</a:t>
             </a:r>
             <a:r>
-              <a:rPr lang="es-ES" sz="1600" dirty="0" smtClean="0"/>
+              <a:rPr lang="es-ES" sz="1400" dirty="0" smtClean="0"/>
               <a:t>s buena practica:</a:t>
             </a:r>
           </a:p>
@@ -11158,7 +11616,7 @@
               <a:buAutoNum type="alphaUcPeriod"/>
             </a:pPr>
             <a:r>
-              <a:rPr lang="es-ES" sz="1600" dirty="0" smtClean="0">
+              <a:rPr lang="es-ES" sz="1400" dirty="0" smtClean="0">
                 <a:effectLst>
                   <a:outerShdw blurRad="38100" dist="38100" dir="2700000" algn="tl">
                     <a:srgbClr val="000000">
@@ -11170,7 +11628,7 @@
               <a:t>Aplicar la estrategia</a:t>
             </a:r>
             <a:r>
-              <a:rPr lang="es-AR" sz="1600" dirty="0" smtClean="0">
+              <a:rPr lang="es-AR" sz="1400" dirty="0" smtClean="0">
                 <a:effectLst>
                   <a:outerShdw blurRad="38100" dist="38100" dir="2700000" algn="tl">
                     <a:srgbClr val="000000">
@@ -11182,23 +11640,23 @@
               <a:t> </a:t>
             </a:r>
             <a:r>
-              <a:rPr lang="es-AR" sz="1600" dirty="0" smtClean="0"/>
-              <a:t>“3-2-1” (3 copias de datos, </a:t>
-            </a:r>
-            <a:r>
-              <a:rPr lang="es-AR" sz="1600" dirty="0"/>
+              <a:rPr lang="es-AR" sz="1400" dirty="0" smtClean="0"/>
+              <a:t>“3-2-1” (Tener 3 copias de datos, </a:t>
+            </a:r>
+            <a:r>
+              <a:rPr lang="es-AR" sz="1400" dirty="0"/>
               <a:t>en 2 </a:t>
             </a:r>
             <a:r>
-              <a:rPr lang="es-AR" sz="1600" dirty="0" smtClean="0"/>
+              <a:rPr lang="es-AR" sz="1400" dirty="0" smtClean="0"/>
               <a:t>tipos de soportes </a:t>
             </a:r>
             <a:r>
-              <a:rPr lang="es-AR" sz="1600" dirty="0"/>
+              <a:rPr lang="es-AR" sz="1400" dirty="0"/>
               <a:t>diferentes, 1 </a:t>
             </a:r>
             <a:r>
-              <a:rPr lang="es-AR" sz="1600" dirty="0" smtClean="0"/>
+              <a:rPr lang="es-AR" sz="1400" dirty="0" smtClean="0"/>
               <a:t>fuera del sitio, desconectada/inmutable.</a:t>
             </a:r>
           </a:p>
@@ -11208,7 +11666,7 @@
               <a:buAutoNum type="alphaUcPeriod"/>
             </a:pPr>
             <a:r>
-              <a:rPr lang="es-AR" sz="1600" dirty="0" smtClean="0">
+              <a:rPr lang="es-AR" sz="1400" dirty="0" smtClean="0">
                 <a:effectLst>
                   <a:outerShdw blurRad="38100" dist="38100" dir="2700000" algn="tl">
                     <a:srgbClr val="000000">
@@ -11220,7 +11678,7 @@
               <a:t>Tener versionado </a:t>
             </a:r>
             <a:r>
-              <a:rPr lang="es-AR" sz="1600" dirty="0">
+              <a:rPr lang="es-AR" sz="1400" dirty="0">
                 <a:effectLst>
                   <a:outerShdw blurRad="38100" dist="38100" dir="2700000" algn="tl">
                     <a:srgbClr val="000000">
@@ -11232,7 +11690,7 @@
               <a:t>de </a:t>
             </a:r>
             <a:r>
-              <a:rPr lang="es-AR" sz="1600" dirty="0" smtClean="0">
+              <a:rPr lang="es-AR" sz="1400" dirty="0" smtClean="0">
                 <a:effectLst>
                   <a:outerShdw blurRad="38100" dist="38100" dir="2700000" algn="tl">
                     <a:srgbClr val="000000">
@@ -11244,7 +11702,7 @@
               <a:t>back ups </a:t>
             </a:r>
             <a:r>
-              <a:rPr lang="es-AR" sz="1600" dirty="0">
+              <a:rPr lang="es-AR" sz="1400" dirty="0">
                 <a:effectLst>
                   <a:outerShdw blurRad="38100" dist="38100" dir="2700000" algn="tl">
                     <a:srgbClr val="000000">
@@ -11256,7 +11714,7 @@
               <a:t>y retención a largo </a:t>
             </a:r>
             <a:r>
-              <a:rPr lang="es-AR" sz="1600" dirty="0" smtClean="0">
+              <a:rPr lang="es-AR" sz="1400" dirty="0" smtClean="0">
                 <a:effectLst>
                   <a:outerShdw blurRad="38100" dist="38100" dir="2700000" algn="tl">
                     <a:srgbClr val="000000">
@@ -11268,15 +11726,15 @@
               <a:t>plazo</a:t>
             </a:r>
             <a:r>
-              <a:rPr lang="es-AR" sz="1600" dirty="0" smtClean="0"/>
-              <a:t>, se recomienda plazo de 30 a 90 días </a:t>
-            </a:r>
-            <a:r>
-              <a:rPr lang="es-AR" sz="1600" dirty="0"/>
+              <a:rPr lang="es-AR" sz="1400" dirty="0" smtClean="0"/>
+              <a:t>, se recomienda tener a plazo de 30 a 90 días </a:t>
+            </a:r>
+            <a:r>
+              <a:rPr lang="es-AR" sz="1400" dirty="0"/>
               <a:t>para cubrir ataques silenciosos con activación </a:t>
             </a:r>
             <a:r>
-              <a:rPr lang="es-AR" sz="1600" dirty="0" smtClean="0"/>
+              <a:rPr lang="es-AR" sz="1400" dirty="0" smtClean="0"/>
               <a:t>tardía.</a:t>
             </a:r>
           </a:p>
@@ -11286,7 +11744,7 @@
               <a:buAutoNum type="alphaUcPeriod"/>
             </a:pPr>
             <a:r>
-              <a:rPr lang="es-AR" sz="1600" dirty="0" smtClean="0">
+              <a:rPr lang="es-AR" sz="1400" dirty="0" smtClean="0">
                 <a:effectLst>
                   <a:outerShdw blurRad="38100" dist="38100" dir="2700000" algn="tl">
                     <a:srgbClr val="000000">
@@ -11298,7 +11756,7 @@
               <a:t>Realizar Test </a:t>
             </a:r>
             <a:r>
-              <a:rPr lang="es-AR" sz="1600" dirty="0">
+              <a:rPr lang="es-AR" sz="1400" dirty="0">
                 <a:effectLst>
                   <a:outerShdw blurRad="38100" dist="38100" dir="2700000" algn="tl">
                     <a:srgbClr val="000000">
@@ -11310,7 +11768,7 @@
               <a:t>de </a:t>
             </a:r>
             <a:r>
-              <a:rPr lang="es-AR" sz="1600" dirty="0" smtClean="0">
+              <a:rPr lang="es-AR" sz="1400" dirty="0" smtClean="0">
                 <a:effectLst>
                   <a:outerShdw blurRad="38100" dist="38100" dir="2700000" algn="tl">
                     <a:srgbClr val="000000">
@@ -11322,18 +11780,18 @@
               <a:t>restauración de back ups</a:t>
             </a:r>
             <a:r>
-              <a:rPr lang="es-AR" sz="1600" dirty="0" smtClean="0"/>
+              <a:rPr lang="es-AR" sz="1400" dirty="0" smtClean="0"/>
               <a:t>, no </a:t>
             </a:r>
             <a:r>
-              <a:rPr lang="es-AR" sz="1600" dirty="0"/>
+              <a:rPr lang="es-AR" sz="1400" dirty="0"/>
               <a:t>basta con verificar que se </a:t>
             </a:r>
             <a:r>
-              <a:rPr lang="es-AR" sz="1600" dirty="0" smtClean="0"/>
-              <a:t>hagan, realizar pruebas de restauración mensualmente.</a:t>
-            </a:r>
-            <a:endParaRPr lang="es-ES" sz="1600" dirty="0" smtClean="0"/>
+              <a:rPr lang="es-AR" sz="1400" dirty="0" smtClean="0"/>
+              <a:t>hayan realizado completa y correctamente, se deberá planificar para realizar pruebas de restauración mensualmente.</a:t>
+            </a:r>
+            <a:endParaRPr lang="es-ES" sz="1400" dirty="0" smtClean="0"/>
           </a:p>
           <a:p>
             <a:pPr marL="342900" indent="-342900">
@@ -11341,35 +11799,35 @@
               <a:buAutoNum type="arabicPeriod"/>
             </a:pPr>
             <a:r>
-              <a:rPr lang="es-ES" sz="1600" b="1" dirty="0" smtClean="0"/>
+              <a:rPr lang="es-ES" sz="1400" b="1" dirty="0" smtClean="0"/>
               <a:t>Contraseñas complejas y </a:t>
             </a:r>
             <a:r>
-              <a:rPr lang="es-ES" sz="1600" b="1" dirty="0"/>
+              <a:rPr lang="es-ES" sz="1400" b="1" dirty="0"/>
               <a:t>Bloqueo de </a:t>
             </a:r>
             <a:r>
-              <a:rPr lang="es-ES" sz="1600" b="1" dirty="0" smtClean="0"/>
+              <a:rPr lang="es-ES" sz="1400" b="1" dirty="0" smtClean="0"/>
               <a:t>Usuario: </a:t>
             </a:r>
             <a:r>
-              <a:rPr lang="es-ES" sz="1600" dirty="0" smtClean="0"/>
+              <a:rPr lang="es-ES" sz="1400" dirty="0" smtClean="0"/>
               <a:t>Establecer la longitud mínima en 10 caracteres, combinando letras mayúsculas, minúsculas, números y caracteres especiales. Se debe cambiar la contraseña cada 65 días y no se deben repetir las ultimas 12 contraseñas. Luego del </a:t>
             </a:r>
             <a:r>
-              <a:rPr lang="es-ES" sz="1600" dirty="0"/>
+              <a:rPr lang="es-ES" sz="1400" dirty="0"/>
               <a:t>5º ingreso fallido de las credenciales de un usuario, este </a:t>
             </a:r>
             <a:r>
-              <a:rPr lang="es-ES" sz="1600" dirty="0" smtClean="0"/>
+              <a:rPr lang="es-ES" sz="1400" dirty="0" smtClean="0"/>
               <a:t>debe ser </a:t>
             </a:r>
             <a:r>
-              <a:rPr lang="es-ES" sz="1600" dirty="0"/>
+              <a:rPr lang="es-ES" sz="1400" dirty="0"/>
               <a:t>bloqueado por 15 minutos</a:t>
             </a:r>
             <a:r>
-              <a:rPr lang="es-ES" sz="1600" dirty="0" smtClean="0"/>
+              <a:rPr lang="es-ES" sz="1400" dirty="0" smtClean="0"/>
               <a:t>.</a:t>
             </a:r>
           </a:p>
@@ -11379,30 +11837,90 @@
               <a:buAutoNum type="arabicPeriod"/>
             </a:pPr>
             <a:r>
-              <a:rPr lang="es-ES" sz="1600" b="1" dirty="0" smtClean="0"/>
+              <a:rPr lang="es-ES" sz="1400" b="1" dirty="0" smtClean="0"/>
               <a:t>Autenticación con </a:t>
             </a:r>
             <a:r>
-              <a:rPr lang="es-ES" sz="1600" b="1" dirty="0" err="1" smtClean="0"/>
+              <a:rPr lang="es-ES" sz="1400" b="1" dirty="0" err="1" smtClean="0"/>
               <a:t>Multifactor</a:t>
             </a:r>
             <a:r>
-              <a:rPr lang="es-ES" sz="1600" b="1" dirty="0" smtClean="0"/>
+              <a:rPr lang="es-ES" sz="1400" b="1" dirty="0" smtClean="0"/>
               <a:t>:</a:t>
             </a:r>
             <a:r>
-              <a:rPr lang="es-ES" sz="1600" dirty="0" smtClean="0"/>
-              <a:t> Permite (según en que sistema se habilito) evitar que un usuario mal intencionado acceda a información, </a:t>
-            </a:r>
-            <a:r>
-              <a:rPr lang="es-ES" sz="1600" dirty="0" err="1" smtClean="0"/>
+              <a:rPr lang="es-ES" sz="1400" dirty="0" smtClean="0"/>
+              <a:t>  Permite (según en que sistema se habilito) evitar que un usuario mal intencionado pueda validar completamente una sesión y así acceder a información, </a:t>
+            </a:r>
+            <a:r>
+              <a:rPr lang="es-ES" sz="1400" dirty="0" err="1" smtClean="0"/>
               <a:t>vpn</a:t>
             </a:r>
             <a:r>
-              <a:rPr lang="es-ES" sz="1600" dirty="0" smtClean="0"/>
+              <a:rPr lang="es-ES" sz="1400" dirty="0" smtClean="0"/>
               <a:t> o equipo aunque conozca las credenciales.</a:t>
             </a:r>
-            <a:endParaRPr lang="es-AR" sz="1600" dirty="0" smtClean="0"/>
+          </a:p>
+          <a:p>
+            <a:pPr marL="342900" indent="-342900">
+              <a:buFont typeface="+mj-lt"/>
+              <a:buAutoNum type="arabicPeriod"/>
+            </a:pPr>
+            <a:r>
+              <a:rPr lang="es-ES" sz="1400" b="1" dirty="0" smtClean="0"/>
+              <a:t>Sistemas Operativos y Software Soportado</a:t>
+            </a:r>
+            <a:r>
+              <a:rPr lang="es-ES" sz="1400" dirty="0" smtClean="0"/>
+              <a:t>: Evitar tener dispositivos o equipos, con sistemas operativos o software fuera de soporte y de actualizaciones. Al no recibir mas actualizaciones criticas o de seguridad quedan expuestos a vulnerabilidades no corregidas o nuevas, y también a posibles nuevas técnicas de ataque. Windows 7 finalizo su ciclo el 14/01/2020 y Windows Server 2003 finalizo su ciclo el 14/07/2015.</a:t>
+            </a:r>
+          </a:p>
+          <a:p>
+            <a:pPr marL="342900" indent="-342900">
+              <a:buFont typeface="+mj-lt"/>
+              <a:buAutoNum type="arabicPeriod"/>
+            </a:pPr>
+            <a:r>
+              <a:rPr lang="es-AR" sz="1400" b="1" dirty="0"/>
+              <a:t>Realizar el Endurecimiento “</a:t>
+            </a:r>
+            <a:r>
+              <a:rPr lang="es-AR" sz="1400" b="1" dirty="0" err="1"/>
+              <a:t>Hardering</a:t>
+            </a:r>
+            <a:r>
+              <a:rPr lang="es-AR" sz="1400" b="1" dirty="0"/>
+              <a:t>” a todos los equipos </a:t>
+            </a:r>
+            <a:r>
+              <a:rPr lang="es-AR" sz="1400" b="1" dirty="0" err="1" smtClean="0"/>
+              <a:t>endpoint</a:t>
+            </a:r>
+            <a:r>
+              <a:rPr lang="es-AR" sz="1400" b="1" dirty="0" smtClean="0"/>
+              <a:t> </a:t>
+            </a:r>
+            <a:r>
+              <a:rPr lang="es-AR" sz="1400" dirty="0" smtClean="0"/>
+              <a:t>para </a:t>
+            </a:r>
+            <a:r>
+              <a:rPr lang="es-AR" sz="1400" dirty="0"/>
+              <a:t>deshabilitar configuraciones y servicios (por Defecto) que puedan tener una </a:t>
+            </a:r>
+            <a:r>
+              <a:rPr lang="es-AR" sz="1400" dirty="0" smtClean="0"/>
+              <a:t>vulnerabilidad (Ejemplo: Registro Remoto, </a:t>
+            </a:r>
+            <a:r>
+              <a:rPr lang="es-AR" sz="1400" dirty="0" err="1" smtClean="0"/>
+              <a:t>WinRM</a:t>
+            </a:r>
+            <a:r>
+              <a:rPr lang="es-AR" sz="1400" dirty="0" smtClean="0"/>
+              <a:t>, SMB v1).</a:t>
+            </a:r>
+            <a:endParaRPr lang="es-AR" sz="1400" dirty="0" smtClean="0"/>
           </a:p>
           <a:p>
             <a:endParaRPr lang="es-AR" sz="1400" dirty="0"/>
@@ -11644,7 +12162,11 @@
           <a:p>
             <a:r>
               <a:rPr lang="es-AR" sz="2800" b="1" dirty="0" smtClean="0"/>
-              <a:t>De acuerdo a la situación ocurrida, se sugiere lo siguiente:</a:t>
+              <a:t>De acuerdo a la situación ocurrida, se sugiere </a:t>
+            </a:r>
+            <a:r>
+              <a:rPr lang="es-AR" sz="2800" b="1" dirty="0" smtClean="0"/>
+              <a:t>la siguiente Solución:</a:t>
             </a:r>
             <a:endParaRPr lang="es-AR" sz="2400" dirty="0"/>
           </a:p>
@@ -11658,8 +12180,8 @@
         </p:nvSpPr>
         <p:spPr>
           <a:xfrm>
-            <a:off x="895349" y="1667930"/>
-            <a:ext cx="11000163" cy="5232202"/>
+            <a:off x="895349" y="1589549"/>
+            <a:ext cx="11000163" cy="4616648"/>
           </a:xfrm>
           <a:prstGeom prst="rect">
             <a:avLst/>
@@ -11674,34 +12196,34 @@
           <a:p>
             <a:pPr marL="342900" indent="-342900">
               <a:buFont typeface="+mj-lt"/>
-              <a:buAutoNum type="arabicPeriod"/>
+              <a:buAutoNum type="arabicPeriod" startAt="8"/>
             </a:pPr>
             <a:r>
-              <a:rPr lang="es-AR" sz="1600" b="1" dirty="0" smtClean="0"/>
+              <a:rPr lang="es-AR" sz="1400" b="1" dirty="0" smtClean="0"/>
               <a:t>Revisar </a:t>
             </a:r>
             <a:r>
-              <a:rPr lang="es-AR" sz="1600" b="1" dirty="0"/>
+              <a:rPr lang="es-AR" sz="1400" b="1" dirty="0"/>
               <a:t>el </a:t>
             </a:r>
             <a:r>
-              <a:rPr lang="es-AR" sz="1600" b="1" dirty="0" smtClean="0"/>
+              <a:rPr lang="es-AR" sz="1400" b="1" dirty="0" smtClean="0"/>
               <a:t>Perímetro </a:t>
             </a:r>
             <a:r>
-              <a:rPr lang="es-AR" sz="1600" b="1" dirty="0"/>
+              <a:rPr lang="es-AR" sz="1400" b="1" dirty="0"/>
               <a:t>de </a:t>
             </a:r>
             <a:r>
-              <a:rPr lang="es-AR" sz="1600" b="1" dirty="0" smtClean="0"/>
+              <a:rPr lang="es-AR" sz="1400" b="1" dirty="0" smtClean="0"/>
               <a:t>Seguridad </a:t>
             </a:r>
             <a:r>
-              <a:rPr lang="es-AR" sz="1600" b="1" dirty="0"/>
+              <a:rPr lang="es-AR" sz="1400" b="1" dirty="0"/>
               <a:t>e implementar mejores prácticas</a:t>
             </a:r>
             <a:r>
-              <a:rPr lang="es-AR" sz="1600" b="1" dirty="0" smtClean="0"/>
+              <a:rPr lang="es-AR" sz="1400" b="1" dirty="0" smtClean="0"/>
               <a:t>:</a:t>
             </a:r>
           </a:p>
@@ -11711,7 +12233,7 @@
               <a:buAutoNum type="alphaUcPeriod"/>
             </a:pPr>
             <a:r>
-              <a:rPr lang="es-AR" sz="1600" dirty="0" smtClean="0">
+              <a:rPr lang="es-AR" sz="1400" dirty="0" smtClean="0">
                 <a:effectLst>
                   <a:outerShdw blurRad="38100" dist="38100" dir="2700000" algn="tl">
                     <a:srgbClr val="000000">
@@ -11723,38 +12245,38 @@
               <a:t>Implementar reglas de Firewall</a:t>
             </a:r>
             <a:r>
-              <a:rPr lang="es-AR" sz="1600" dirty="0" smtClean="0"/>
+              <a:rPr lang="es-AR" sz="1400" dirty="0" smtClean="0"/>
               <a:t> para bloquear </a:t>
             </a:r>
             <a:r>
-              <a:rPr lang="es-AR" sz="1600" dirty="0" smtClean="0"/>
+              <a:rPr lang="es-AR" sz="1400" dirty="0" smtClean="0"/>
               <a:t>trafico en puertos/aplicaciones/</a:t>
             </a:r>
             <a:r>
-              <a:rPr lang="es-AR" sz="1600" dirty="0" err="1" smtClean="0"/>
+              <a:rPr lang="es-AR" sz="1400" dirty="0" err="1" smtClean="0"/>
               <a:t>url’s</a:t>
             </a:r>
             <a:r>
-              <a:rPr lang="es-AR" sz="1600" dirty="0" smtClean="0"/>
+              <a:rPr lang="es-AR" sz="1400" dirty="0" smtClean="0"/>
               <a:t> </a:t>
             </a:r>
             <a:r>
-              <a:rPr lang="es-AR" sz="1600" dirty="0" smtClean="0"/>
+              <a:rPr lang="es-AR" sz="1400" dirty="0" smtClean="0"/>
               <a:t>que no se </a:t>
             </a:r>
             <a:r>
-              <a:rPr lang="es-AR" sz="1600" dirty="0" smtClean="0"/>
+              <a:rPr lang="es-AR" sz="1400" dirty="0" smtClean="0"/>
               <a:t>requieran. Se recomienda obtener un Firewall de próxima generación (FWNG Firewall </a:t>
             </a:r>
             <a:r>
-              <a:rPr lang="es-AR" sz="1600" dirty="0" err="1" smtClean="0"/>
+              <a:rPr lang="es-AR" sz="1400" dirty="0" err="1" smtClean="0"/>
               <a:t>Next</a:t>
             </a:r>
             <a:r>
-              <a:rPr lang="es-AR" sz="1600" dirty="0" smtClean="0"/>
+              <a:rPr lang="es-AR" sz="1400" dirty="0" smtClean="0"/>
               <a:t>-Gen).</a:t>
             </a:r>
-            <a:endParaRPr lang="es-AR" sz="1600" dirty="0" smtClean="0"/>
+            <a:endParaRPr lang="es-AR" sz="1400" dirty="0" smtClean="0"/>
           </a:p>
           <a:p>
             <a:pPr marL="800100" lvl="1" indent="-342900">
@@ -11762,7 +12284,7 @@
               <a:buAutoNum type="alphaUcPeriod"/>
             </a:pPr>
             <a:r>
-              <a:rPr lang="es-AR" sz="1600" dirty="0">
+              <a:rPr lang="es-AR" sz="1400" dirty="0">
                 <a:effectLst>
                   <a:outerShdw blurRad="38100" dist="38100" dir="2700000" algn="tl">
                     <a:srgbClr val="000000">
@@ -11774,7 +12296,7 @@
               <a:t>Segmentar las </a:t>
             </a:r>
             <a:r>
-              <a:rPr lang="es-AR" sz="1600" dirty="0" smtClean="0">
+              <a:rPr lang="es-AR" sz="1400" dirty="0" smtClean="0">
                 <a:effectLst>
                   <a:outerShdw blurRad="38100" dist="38100" dir="2700000" algn="tl">
                     <a:srgbClr val="000000">
@@ -11786,8 +12308,12 @@
               <a:t>Redes</a:t>
             </a:r>
             <a:r>
-              <a:rPr lang="es-AR" sz="1600" dirty="0" smtClean="0"/>
-              <a:t> para aislar segmentos críticos de red y evitar la propagación de ataques.</a:t>
+              <a:rPr lang="es-AR" sz="1400" dirty="0" smtClean="0"/>
+              <a:t> para aislar segmentos críticos de red y evitar la propagación de ataques</a:t>
+            </a:r>
+            <a:r>
+              <a:rPr lang="es-AR" sz="1400" dirty="0" smtClean="0"/>
+              <a:t>.</a:t>
             </a:r>
           </a:p>
           <a:p>
@@ -11796,42 +12322,62 @@
               <a:buAutoNum type="alphaUcPeriod"/>
             </a:pPr>
             <a:r>
-              <a:rPr lang="es-AR" sz="1600" dirty="0"/>
-              <a:t>Utilizar sistemas de </a:t>
-            </a:r>
-            <a:r>
-              <a:rPr lang="es-AR" sz="1600" dirty="0" smtClean="0"/>
-              <a:t>detección/prevención </a:t>
-            </a:r>
-            <a:r>
-              <a:rPr lang="es-AR" sz="1600" dirty="0"/>
-              <a:t>de intrusiones (IDS/IPS) </a:t>
-            </a:r>
-            <a:r>
-              <a:rPr lang="es-AR" sz="1600" dirty="0" smtClean="0"/>
-              <a:t>para </a:t>
-            </a:r>
-            <a:r>
-              <a:rPr lang="es-AR" sz="1600" dirty="0"/>
-              <a:t>identificar </a:t>
-            </a:r>
-            <a:r>
-              <a:rPr lang="es-AR" sz="1600" dirty="0" smtClean="0"/>
-              <a:t>intentos de acceso no autorizado, bloqueo de amenazas en tiempo real,</a:t>
-            </a:r>
-            <a:r>
-              <a:rPr lang="es-AR" sz="1600" dirty="0" smtClean="0"/>
-              <a:t> </a:t>
-            </a:r>
-            <a:r>
-              <a:rPr lang="es-AR" sz="1600" dirty="0"/>
-              <a:t>escaneo </a:t>
-            </a:r>
-            <a:r>
-              <a:rPr lang="es-AR" sz="1600" dirty="0" smtClean="0"/>
-              <a:t>masivo. Un Firewall de próxima generación integra tecnología IDS/IPS.</a:t>
-            </a:r>
-            <a:endParaRPr lang="es-AR" sz="1600" dirty="0" smtClean="0"/>
+              <a:rPr lang="es-AR" sz="1400" dirty="0" smtClean="0">
+                <a:effectLst>
+                  <a:outerShdw blurRad="38100" dist="38100" dir="2700000" algn="tl">
+                    <a:srgbClr val="000000">
+                      <a:alpha val="43137"/>
+                    </a:srgbClr>
+                  </a:outerShdw>
+                </a:effectLst>
+              </a:rPr>
+              <a:t>Mantener los </a:t>
+            </a:r>
+            <a:r>
+              <a:rPr lang="es-AR" sz="1400" dirty="0">
+                <a:effectLst>
+                  <a:outerShdw blurRad="38100" dist="38100" dir="2700000" algn="tl">
+                    <a:srgbClr val="000000">
+                      <a:alpha val="43137"/>
+                    </a:srgbClr>
+                  </a:outerShdw>
+                </a:effectLst>
+              </a:rPr>
+              <a:t>sistemas </a:t>
+            </a:r>
+            <a:r>
+              <a:rPr lang="es-AR" sz="1400" dirty="0" smtClean="0">
+                <a:effectLst>
+                  <a:outerShdw blurRad="38100" dist="38100" dir="2700000" algn="tl">
+                    <a:srgbClr val="000000">
+                      <a:alpha val="43137"/>
+                    </a:srgbClr>
+                  </a:outerShdw>
+                </a:effectLst>
+              </a:rPr>
+              <a:t>actualizados y verificar periódicamente </a:t>
+            </a:r>
+            <a:r>
+              <a:rPr lang="es-AR" sz="1400" dirty="0" smtClean="0"/>
+              <a:t>si requieren algún parche (</a:t>
+            </a:r>
+            <a:r>
+              <a:rPr lang="es-AR" sz="1400" dirty="0" err="1" smtClean="0"/>
+              <a:t>fix</a:t>
+            </a:r>
+            <a:r>
+              <a:rPr lang="es-AR" sz="1400" dirty="0" smtClean="0"/>
+              <a:t>) que corrija algún error (bug) o vulnerabilidad que deberá ser corregido </a:t>
+            </a:r>
+            <a:r>
+              <a:rPr lang="es-AR" sz="1400" dirty="0"/>
+              <a:t>de manera </a:t>
+            </a:r>
+            <a:r>
+              <a:rPr lang="es-AR" sz="1400" dirty="0" smtClean="0"/>
+              <a:t>inmediata.</a:t>
+            </a:r>
+            <a:endParaRPr lang="es-AR" sz="1400" dirty="0" smtClean="0"/>
           </a:p>
           <a:p>
             <a:pPr marL="800100" lvl="1" indent="-342900">
@@ -11839,86 +12385,66 @@
               <a:buAutoNum type="alphaUcPeriod"/>
             </a:pPr>
             <a:r>
-              <a:rPr lang="es-ES" sz="1600" dirty="0" smtClean="0">
-                <a:effectLst>
-                  <a:outerShdw blurRad="38100" dist="38100" dir="2700000" algn="tl">
-                    <a:srgbClr val="000000">
-                      <a:alpha val="43137"/>
-                    </a:srgbClr>
-                  </a:outerShdw>
-                </a:effectLst>
-              </a:rPr>
-              <a:t>Realizar </a:t>
-            </a:r>
-            <a:r>
-              <a:rPr lang="es-ES" sz="1600" dirty="0" smtClean="0">
-                <a:effectLst>
-                  <a:outerShdw blurRad="38100" dist="38100" dir="2700000" algn="tl">
-                    <a:srgbClr val="000000">
-                      <a:alpha val="43137"/>
-                    </a:srgbClr>
-                  </a:outerShdw>
-                </a:effectLst>
-              </a:rPr>
-              <a:t>el </a:t>
-            </a:r>
-            <a:r>
-              <a:rPr lang="es-ES" sz="1600" dirty="0" smtClean="0">
-                <a:effectLst>
-                  <a:outerShdw blurRad="38100" dist="38100" dir="2700000" algn="tl">
-                    <a:srgbClr val="000000">
-                      <a:alpha val="43137"/>
-                    </a:srgbClr>
-                  </a:outerShdw>
-                </a:effectLst>
-              </a:rPr>
-              <a:t>Endurecimiento “</a:t>
-            </a:r>
-            <a:r>
-              <a:rPr lang="es-ES" sz="1600" dirty="0" err="1" smtClean="0">
-                <a:effectLst>
-                  <a:outerShdw blurRad="38100" dist="38100" dir="2700000" algn="tl">
-                    <a:srgbClr val="000000">
-                      <a:alpha val="43137"/>
-                    </a:srgbClr>
-                  </a:outerShdw>
-                </a:effectLst>
-              </a:rPr>
-              <a:t>Hardering</a:t>
-            </a:r>
-            <a:r>
-              <a:rPr lang="es-ES" sz="1600" dirty="0" smtClean="0">
-                <a:effectLst>
-                  <a:outerShdw blurRad="38100" dist="38100" dir="2700000" algn="tl">
-                    <a:srgbClr val="000000">
-                      <a:alpha val="43137"/>
-                    </a:srgbClr>
-                  </a:outerShdw>
-                </a:effectLst>
-              </a:rPr>
-              <a:t>” </a:t>
-            </a:r>
-            <a:r>
-              <a:rPr lang="es-ES" sz="1600" dirty="0" smtClean="0"/>
-              <a:t>a todos los equipos para deshabilitar configuraciones y servicios (por Defecto) </a:t>
-            </a:r>
-            <a:r>
-              <a:rPr lang="es-ES" sz="1600" dirty="0" smtClean="0"/>
-              <a:t>que </a:t>
-            </a:r>
-            <a:r>
-              <a:rPr lang="es-ES" sz="1600" dirty="0" smtClean="0"/>
-              <a:t>puedan </a:t>
-            </a:r>
-            <a:r>
-              <a:rPr lang="es-ES" sz="1600" dirty="0" smtClean="0"/>
-              <a:t>tener </a:t>
-            </a:r>
-            <a:r>
-              <a:rPr lang="es-ES" sz="1600" dirty="0" smtClean="0"/>
-              <a:t>una vulnerabilidad.</a:t>
-            </a:r>
-            <a:endParaRPr lang="es-AR" sz="1600" dirty="0" smtClean="0"/>
+              <a:rPr lang="es-AR" sz="1400" dirty="0">
+                <a:effectLst>
+                  <a:outerShdw blurRad="38100" dist="38100" dir="2700000" algn="tl">
+                    <a:srgbClr val="000000">
+                      <a:alpha val="43137"/>
+                    </a:srgbClr>
+                  </a:outerShdw>
+                </a:effectLst>
+              </a:rPr>
+              <a:t>Utilizar sistemas de </a:t>
+            </a:r>
+            <a:r>
+              <a:rPr lang="es-AR" sz="1400" dirty="0" smtClean="0">
+                <a:effectLst>
+                  <a:outerShdw blurRad="38100" dist="38100" dir="2700000" algn="tl">
+                    <a:srgbClr val="000000">
+                      <a:alpha val="43137"/>
+                    </a:srgbClr>
+                  </a:outerShdw>
+                </a:effectLst>
+              </a:rPr>
+              <a:t>detección/prevención </a:t>
+            </a:r>
+            <a:r>
+              <a:rPr lang="es-AR" sz="1400" dirty="0">
+                <a:effectLst>
+                  <a:outerShdw blurRad="38100" dist="38100" dir="2700000" algn="tl">
+                    <a:srgbClr val="000000">
+                      <a:alpha val="43137"/>
+                    </a:srgbClr>
+                  </a:outerShdw>
+                </a:effectLst>
+              </a:rPr>
+              <a:t>de intrusiones (IDS/IPS) </a:t>
+            </a:r>
+            <a:r>
+              <a:rPr lang="es-AR" sz="1400" dirty="0" smtClean="0"/>
+              <a:t>para </a:t>
+            </a:r>
+            <a:r>
+              <a:rPr lang="es-AR" sz="1400" dirty="0"/>
+              <a:t>identificar </a:t>
+            </a:r>
+            <a:r>
+              <a:rPr lang="es-AR" sz="1400" dirty="0" smtClean="0"/>
+              <a:t>intentos de acceso no autorizado, bloqueo de amenazas en tiempo real,</a:t>
+            </a:r>
+            <a:r>
+              <a:rPr lang="es-AR" sz="1400" dirty="0" smtClean="0"/>
+              <a:t> </a:t>
+            </a:r>
+            <a:r>
+              <a:rPr lang="es-AR" sz="1400" dirty="0"/>
+              <a:t>escaneo </a:t>
+            </a:r>
+            <a:r>
+              <a:rPr lang="es-AR" sz="1400" dirty="0" smtClean="0"/>
+              <a:t>masivo. Un Firewall de próxima generación integra tecnología IDS.</a:t>
+            </a:r>
+            <a:endParaRPr lang="es-AR" sz="1400" dirty="0" smtClean="0"/>
           </a:p>
           <a:p>
             <a:pPr marL="800100" lvl="1" indent="-342900">
@@ -11926,33 +12452,94 @@
               <a:buAutoNum type="alphaUcPeriod"/>
             </a:pPr>
             <a:r>
-              <a:rPr lang="es-ES" sz="1600" dirty="0" smtClean="0">
-                <a:effectLst>
-                  <a:outerShdw blurRad="38100" dist="38100" dir="2700000" algn="tl">
-                    <a:srgbClr val="000000">
-                      <a:alpha val="43137"/>
-                    </a:srgbClr>
-                  </a:outerShdw>
-                </a:effectLst>
-              </a:rPr>
-              <a:t>Implementar VPN con </a:t>
-            </a:r>
-            <a:r>
-              <a:rPr lang="es-ES" sz="1600" dirty="0" err="1" smtClean="0">
-                <a:effectLst>
-                  <a:outerShdw blurRad="38100" dist="38100" dir="2700000" algn="tl">
-                    <a:srgbClr val="000000">
-                      <a:alpha val="43137"/>
-                    </a:srgbClr>
-                  </a:outerShdw>
-                </a:effectLst>
-              </a:rPr>
-              <a:t>IPSec</a:t>
-            </a:r>
-            <a:r>
-              <a:rPr lang="es-ES" sz="1600" dirty="0" smtClean="0"/>
-              <a:t>, para el acceso a la red corporativa y sus servidores de recursos. </a:t>
-            </a:r>
+              <a:rPr lang="es-ES" sz="1400" dirty="0" smtClean="0">
+                <a:effectLst>
+                  <a:outerShdw blurRad="38100" dist="38100" dir="2700000" algn="tl">
+                    <a:srgbClr val="000000">
+                      <a:alpha val="43137"/>
+                    </a:srgbClr>
+                  </a:outerShdw>
+                </a:effectLst>
+              </a:rPr>
+              <a:t>Realizar </a:t>
+            </a:r>
+            <a:r>
+              <a:rPr lang="es-ES" sz="1400" dirty="0" smtClean="0">
+                <a:effectLst>
+                  <a:outerShdw blurRad="38100" dist="38100" dir="2700000" algn="tl">
+                    <a:srgbClr val="000000">
+                      <a:alpha val="43137"/>
+                    </a:srgbClr>
+                  </a:outerShdw>
+                </a:effectLst>
+              </a:rPr>
+              <a:t>el </a:t>
+            </a:r>
+            <a:r>
+              <a:rPr lang="es-ES" sz="1400" dirty="0" smtClean="0">
+                <a:effectLst>
+                  <a:outerShdw blurRad="38100" dist="38100" dir="2700000" algn="tl">
+                    <a:srgbClr val="000000">
+                      <a:alpha val="43137"/>
+                    </a:srgbClr>
+                  </a:outerShdw>
+                </a:effectLst>
+              </a:rPr>
+              <a:t>Endurecimiento “</a:t>
+            </a:r>
+            <a:r>
+              <a:rPr lang="es-ES" sz="1400" dirty="0" err="1" smtClean="0">
+                <a:effectLst>
+                  <a:outerShdw blurRad="38100" dist="38100" dir="2700000" algn="tl">
+                    <a:srgbClr val="000000">
+                      <a:alpha val="43137"/>
+                    </a:srgbClr>
+                  </a:outerShdw>
+                </a:effectLst>
+              </a:rPr>
+              <a:t>Hardering</a:t>
+            </a:r>
+            <a:r>
+              <a:rPr lang="es-ES" sz="1400" dirty="0" smtClean="0">
+                <a:effectLst>
+                  <a:outerShdw blurRad="38100" dist="38100" dir="2700000" algn="tl">
+                    <a:srgbClr val="000000">
+                      <a:alpha val="43137"/>
+                    </a:srgbClr>
+                  </a:outerShdw>
+                </a:effectLst>
+              </a:rPr>
+              <a:t>” </a:t>
+            </a:r>
+            <a:r>
+              <a:rPr lang="es-ES" sz="1400" dirty="0" smtClean="0"/>
+              <a:t>a todos los </a:t>
+            </a:r>
+            <a:r>
+              <a:rPr lang="es-ES" sz="1400" dirty="0" smtClean="0"/>
+              <a:t>dispositivos </a:t>
+            </a:r>
+            <a:r>
+              <a:rPr lang="es-ES" sz="1400" dirty="0" smtClean="0"/>
+              <a:t>para deshabilitar configuraciones y servicios (por Defecto) </a:t>
+            </a:r>
+            <a:r>
+              <a:rPr lang="es-ES" sz="1400" dirty="0" smtClean="0"/>
+              <a:t>que </a:t>
+            </a:r>
+            <a:r>
+              <a:rPr lang="es-ES" sz="1400" dirty="0" smtClean="0"/>
+              <a:t>puedan </a:t>
+            </a:r>
+            <a:r>
+              <a:rPr lang="es-ES" sz="1400" dirty="0" smtClean="0"/>
+              <a:t>tener </a:t>
+            </a:r>
+            <a:r>
+              <a:rPr lang="es-ES" sz="1400" dirty="0" smtClean="0"/>
+              <a:t>una vulnerabilidad.</a:t>
+            </a:r>
+            <a:endParaRPr lang="es-AR" sz="1400" dirty="0" smtClean="0"/>
           </a:p>
           <a:p>
             <a:pPr marL="800100" lvl="1" indent="-342900">
@@ -11960,7 +12547,41 @@
               <a:buAutoNum type="alphaUcPeriod"/>
             </a:pPr>
             <a:r>
-              <a:rPr lang="es-ES" sz="1600" dirty="0" smtClean="0">
+              <a:rPr lang="es-ES" sz="1400" dirty="0" smtClean="0">
+                <a:effectLst>
+                  <a:outerShdw blurRad="38100" dist="38100" dir="2700000" algn="tl">
+                    <a:srgbClr val="000000">
+                      <a:alpha val="43137"/>
+                    </a:srgbClr>
+                  </a:outerShdw>
+                </a:effectLst>
+              </a:rPr>
+              <a:t>Implementar VPN con </a:t>
+            </a:r>
+            <a:r>
+              <a:rPr lang="es-ES" sz="1400" dirty="0" err="1" smtClean="0">
+                <a:effectLst>
+                  <a:outerShdw blurRad="38100" dist="38100" dir="2700000" algn="tl">
+                    <a:srgbClr val="000000">
+                      <a:alpha val="43137"/>
+                    </a:srgbClr>
+                  </a:outerShdw>
+                </a:effectLst>
+              </a:rPr>
+              <a:t>IPSec</a:t>
+            </a:r>
+            <a:r>
+              <a:rPr lang="es-ES" sz="1400" dirty="0" smtClean="0"/>
+              <a:t>, para el acceso a la red corporativa y sus servidores de recursos. </a:t>
+            </a:r>
+          </a:p>
+          <a:p>
+            <a:pPr marL="800100" lvl="1" indent="-342900">
+              <a:buFont typeface="+mj-lt"/>
+              <a:buAutoNum type="alphaUcPeriod"/>
+            </a:pPr>
+            <a:r>
+              <a:rPr lang="es-ES" sz="1400" dirty="0" smtClean="0">
                 <a:effectLst>
                   <a:outerShdw blurRad="38100" dist="38100" dir="2700000" algn="tl">
                     <a:srgbClr val="000000">
@@ -11972,7 +12593,7 @@
               <a:t>Monitoreo de </a:t>
             </a:r>
             <a:r>
-              <a:rPr lang="es-ES" sz="1600" dirty="0" err="1" smtClean="0">
+              <a:rPr lang="es-ES" sz="1400" dirty="0" err="1" smtClean="0">
                 <a:effectLst>
                   <a:outerShdw blurRad="38100" dist="38100" dir="2700000" algn="tl">
                     <a:srgbClr val="000000">
@@ -11984,7 +12605,7 @@
               <a:t>Logs</a:t>
             </a:r>
             <a:r>
-              <a:rPr lang="es-ES" sz="1600" dirty="0" smtClean="0">
+              <a:rPr lang="es-ES" sz="1400" dirty="0" smtClean="0">
                 <a:effectLst>
                   <a:outerShdw blurRad="38100" dist="38100" dir="2700000" algn="tl">
                     <a:srgbClr val="000000">
@@ -11996,207 +12617,205 @@
               <a:t> </a:t>
             </a:r>
             <a:r>
-              <a:rPr lang="es-ES" sz="1600" dirty="0" smtClean="0"/>
+              <a:rPr lang="es-ES" sz="1400" dirty="0" smtClean="0"/>
               <a:t>para</a:t>
             </a:r>
             <a:r>
-              <a:rPr lang="es-ES" sz="1600" dirty="0" smtClean="0"/>
+              <a:rPr lang="es-ES" sz="1400" dirty="0" smtClean="0"/>
               <a:t> equipos y dispositivos que permitirá centralizar los eventos en un sistema para automatizar las alertas (de ciertos eventos configurados) y realizar el envió por correo.</a:t>
             </a:r>
-            <a:endParaRPr lang="es-AR" sz="1600" dirty="0" smtClean="0"/>
+            <a:endParaRPr lang="es-AR" sz="1400" dirty="0" smtClean="0"/>
           </a:p>
           <a:p>
             <a:pPr marL="342900" indent="-342900">
               <a:buFont typeface="+mj-lt"/>
-              <a:buAutoNum type="arabicPeriod"/>
+              <a:buAutoNum type="arabicPeriod" startAt="8"/>
             </a:pPr>
             <a:r>
-              <a:rPr lang="es-AR" sz="1600" b="1" dirty="0" smtClean="0"/>
+              <a:rPr lang="es-AR" sz="1400" b="1" dirty="0" smtClean="0"/>
               <a:t>Concienciación </a:t>
             </a:r>
             <a:r>
-              <a:rPr lang="es-AR" sz="1600" b="1" dirty="0"/>
+              <a:rPr lang="es-AR" sz="1400" b="1" dirty="0"/>
               <a:t>y Formación: </a:t>
             </a:r>
             <a:r>
-              <a:rPr lang="es-AR" sz="1600" dirty="0" smtClean="0"/>
+              <a:rPr lang="es-AR" sz="1400" dirty="0" smtClean="0"/>
               <a:t>Disponer de personal </a:t>
             </a:r>
             <a:r>
-              <a:rPr lang="es-AR" sz="1600" dirty="0"/>
+              <a:rPr lang="es-AR" sz="1400" dirty="0"/>
               <a:t>responsable de DAO (Digital </a:t>
             </a:r>
             <a:r>
-              <a:rPr lang="es-AR" sz="1600" dirty="0" err="1"/>
+              <a:rPr lang="es-AR" sz="1400" dirty="0" err="1"/>
               <a:t>Awareness</a:t>
             </a:r>
             <a:r>
-              <a:rPr lang="es-AR" sz="1600" dirty="0"/>
+              <a:rPr lang="es-AR" sz="1400" dirty="0"/>
               <a:t> </a:t>
             </a:r>
             <a:r>
-              <a:rPr lang="es-AR" sz="1600" dirty="0" err="1"/>
+              <a:rPr lang="es-AR" sz="1400" dirty="0" err="1"/>
               <a:t>Officer</a:t>
             </a:r>
             <a:r>
-              <a:rPr lang="es-AR" sz="1600" dirty="0"/>
+              <a:rPr lang="es-AR" sz="1400" dirty="0"/>
               <a:t>) </a:t>
             </a:r>
             <a:r>
-              <a:rPr lang="es-AR" sz="1600" dirty="0" smtClean="0"/>
+              <a:rPr lang="es-AR" sz="1400" dirty="0" smtClean="0"/>
               <a:t>para capacitar y supervisar </a:t>
             </a:r>
             <a:r>
-              <a:rPr lang="es-AR" sz="1600" dirty="0"/>
+              <a:rPr lang="es-AR" sz="1400" dirty="0"/>
               <a:t>que se apliquen buenas prácticas </a:t>
             </a:r>
             <a:r>
-              <a:rPr lang="es-AR" sz="1600" dirty="0" smtClean="0"/>
+              <a:rPr lang="es-AR" sz="1400" dirty="0" smtClean="0"/>
               <a:t>de </a:t>
             </a:r>
             <a:r>
-              <a:rPr lang="es-AR" sz="1600" dirty="0"/>
+              <a:rPr lang="es-AR" sz="1400" dirty="0"/>
               <a:t>ciberseguridad dentro de la </a:t>
             </a:r>
             <a:r>
-              <a:rPr lang="es-AR" sz="1600" dirty="0" smtClean="0"/>
+              <a:rPr lang="es-AR" sz="1400" dirty="0" smtClean="0"/>
               <a:t>empresa</a:t>
             </a:r>
             <a:r>
-              <a:rPr lang="es-AR" sz="1600" dirty="0"/>
+              <a:rPr lang="es-AR" sz="1400" dirty="0"/>
               <a:t> </a:t>
             </a:r>
             <a:r>
-              <a:rPr lang="es-AR" sz="1600" dirty="0" smtClean="0"/>
+              <a:rPr lang="es-AR" sz="1400" dirty="0" smtClean="0"/>
               <a:t>y así evitar </a:t>
             </a:r>
             <a:r>
-              <a:rPr lang="es-AR" sz="1600" dirty="0"/>
+              <a:rPr lang="es-AR" sz="1400" dirty="0"/>
               <a:t>el error humano</a:t>
             </a:r>
             <a:r>
-              <a:rPr lang="es-AR" sz="1600" dirty="0" smtClean="0"/>
+              <a:rPr lang="es-AR" sz="1400" dirty="0" smtClean="0"/>
               <a:t>. Supervisando estrategias </a:t>
             </a:r>
             <a:r>
-              <a:rPr lang="es-AR" sz="1600" dirty="0"/>
+              <a:rPr lang="es-AR" sz="1400" dirty="0"/>
               <a:t>de </a:t>
             </a:r>
             <a:r>
-              <a:rPr lang="es-AR" sz="1600" dirty="0" smtClean="0"/>
+              <a:rPr lang="es-AR" sz="1400" dirty="0" smtClean="0"/>
               <a:t>concientización sobre amenazas </a:t>
             </a:r>
             <a:r>
-              <a:rPr lang="es-AR" sz="1600" dirty="0"/>
+              <a:rPr lang="es-AR" sz="1400" dirty="0"/>
               <a:t>cibernéticas, </a:t>
             </a:r>
             <a:r>
-              <a:rPr lang="es-AR" sz="1600" dirty="0" err="1"/>
+              <a:rPr lang="es-AR" sz="1400" dirty="0" err="1"/>
               <a:t>phishing</a:t>
             </a:r>
             <a:r>
-              <a:rPr lang="es-AR" sz="1600" dirty="0"/>
+              <a:rPr lang="es-AR" sz="1400" dirty="0"/>
               <a:t>, ingeniería social, filtraciones de datos, importancia de mantener los sistemas </a:t>
             </a:r>
             <a:r>
-              <a:rPr lang="es-AR" sz="1600" dirty="0" smtClean="0"/>
+              <a:rPr lang="es-AR" sz="1400" dirty="0" smtClean="0"/>
               <a:t>actualizados, </a:t>
             </a:r>
             <a:r>
-              <a:rPr lang="es-AR" sz="1600" dirty="0"/>
+              <a:rPr lang="es-AR" sz="1400" dirty="0"/>
               <a:t>correo malicioso, </a:t>
             </a:r>
             <a:r>
-              <a:rPr lang="es-AR" sz="1600" dirty="0" smtClean="0"/>
+              <a:rPr lang="es-AR" sz="1400" dirty="0" smtClean="0"/>
               <a:t>sitios maliciosos, uso </a:t>
             </a:r>
             <a:r>
-              <a:rPr lang="es-AR" sz="1600" dirty="0"/>
+              <a:rPr lang="es-AR" sz="1400" dirty="0"/>
               <a:t>de </a:t>
             </a:r>
             <a:r>
-              <a:rPr lang="es-AR" sz="1600" dirty="0" smtClean="0"/>
+              <a:rPr lang="es-AR" sz="1400" dirty="0" smtClean="0"/>
               <a:t>contraseñas seguras </a:t>
             </a:r>
             <a:r>
-              <a:rPr lang="es-AR" sz="1600" dirty="0"/>
+              <a:rPr lang="es-AR" sz="1400" dirty="0"/>
               <a:t>y </a:t>
             </a:r>
             <a:r>
-              <a:rPr lang="es-AR" sz="1600" dirty="0" smtClean="0"/>
+              <a:rPr lang="es-AR" sz="1400" dirty="0" smtClean="0"/>
               <a:t>únicas, </a:t>
             </a:r>
             <a:r>
-              <a:rPr lang="es-AR" sz="1600" dirty="0"/>
+              <a:rPr lang="es-AR" sz="1400" dirty="0"/>
               <a:t>identificación temprana de comportamientos sospechosos y de </a:t>
             </a:r>
             <a:r>
-              <a:rPr lang="es-AR" sz="1600" dirty="0" smtClean="0"/>
+              <a:rPr lang="es-AR" sz="1400" dirty="0" smtClean="0"/>
               <a:t>ataques.</a:t>
             </a:r>
           </a:p>
           <a:p>
             <a:pPr marL="342900" indent="-342900">
               <a:buFont typeface="+mj-lt"/>
-              <a:buAutoNum type="arabicPeriod"/>
+              <a:buAutoNum type="arabicPeriod" startAt="8"/>
             </a:pPr>
             <a:r>
-              <a:rPr lang="es-ES" sz="1600" b="1" dirty="0" smtClean="0"/>
+              <a:rPr lang="es-ES" sz="1400" b="1" dirty="0" smtClean="0"/>
               <a:t>Escaneo de vulnerabilidades</a:t>
             </a:r>
             <a:r>
-              <a:rPr lang="es-ES" sz="1600" dirty="0" smtClean="0"/>
-              <a:t>: Cada 30 días realizar un escaneo de vulnerabilidades en todos los equipos, para resolver problemas del tipo Medium, High y </a:t>
-            </a:r>
-            <a:r>
-              <a:rPr lang="es-ES" sz="1600" dirty="0" err="1" smtClean="0"/>
+              <a:rPr lang="es-ES" sz="1400" dirty="0" smtClean="0"/>
+              <a:t>: Cada 30 días realizar un escaneo de vulnerabilidades en todos los equipos y dispositivos, para resolver problemas del tipo Medium, High y </a:t>
+            </a:r>
+            <a:r>
+              <a:rPr lang="es-ES" sz="1400" dirty="0" err="1" smtClean="0"/>
               <a:t>Critical</a:t>
             </a:r>
             <a:r>
-              <a:rPr lang="es-ES" sz="1600" dirty="0" smtClean="0"/>
+              <a:rPr lang="es-ES" sz="1400" dirty="0" smtClean="0"/>
               <a:t>.</a:t>
             </a:r>
-            <a:endParaRPr lang="es-AR" sz="1600" dirty="0" smtClean="0"/>
+            <a:endParaRPr lang="es-AR" sz="1400" dirty="0" smtClean="0"/>
           </a:p>
           <a:p>
             <a:pPr marL="342900" indent="-342900">
               <a:buFont typeface="+mj-lt"/>
-              <a:buAutoNum type="arabicPeriod"/>
+              <a:buAutoNum type="arabicPeriod" startAt="8"/>
             </a:pPr>
             <a:r>
-              <a:rPr lang="es-AR" sz="1600" b="1" dirty="0"/>
+              <a:rPr lang="es-AR" sz="1400" b="1" dirty="0"/>
               <a:t>Pruebas de Penetración:</a:t>
             </a:r>
             <a:r>
-              <a:rPr lang="es-AR" sz="1600" dirty="0"/>
+              <a:rPr lang="es-AR" sz="1400" dirty="0"/>
               <a:t> </a:t>
             </a:r>
             <a:r>
-              <a:rPr lang="es-AR" sz="1600" dirty="0" smtClean="0"/>
+              <a:rPr lang="es-AR" sz="1400" dirty="0" smtClean="0"/>
               <a:t>Programar semestralmente </a:t>
             </a:r>
             <a:r>
-              <a:rPr lang="es-AR" sz="1600" dirty="0"/>
+              <a:rPr lang="es-AR" sz="1400" dirty="0"/>
               <a:t>un servicio de pruebas de </a:t>
             </a:r>
             <a:r>
-              <a:rPr lang="es-AR" sz="1600" dirty="0" err="1"/>
+              <a:rPr lang="es-AR" sz="1400" dirty="0" err="1"/>
               <a:t>Pentest</a:t>
             </a:r>
             <a:r>
-              <a:rPr lang="es-AR" sz="1600" dirty="0"/>
+              <a:rPr lang="es-AR" sz="1400" dirty="0"/>
               <a:t>, para conocer las vulnerabilidades de la red de Corporación </a:t>
             </a:r>
             <a:r>
-              <a:rPr lang="es-AR" sz="1600" dirty="0" err="1"/>
+              <a:rPr lang="es-AR" sz="1400" dirty="0" err="1"/>
               <a:t>LexCorp</a:t>
             </a:r>
             <a:r>
-              <a:rPr lang="es-AR" sz="1600" dirty="0"/>
+              <a:rPr lang="es-AR" sz="1400" dirty="0" smtClean="0"/>
               <a:t>.</a:t>
             </a:r>
-          </a:p>
-          <a:p>
             <a:endParaRPr lang="es-AR" sz="1400" dirty="0"/>
           </a:p>
         </p:txBody>
@@ -12339,6 +12958,542 @@
       </p:grpSpPr>
       <p:sp>
         <p:nvSpPr>
+          <p:cNvPr id="4" name="Título 1"/>
+          <p:cNvSpPr txBox="1">
+            <a:spLocks/>
+          </p:cNvSpPr>
+          <p:nvPr/>
+        </p:nvSpPr>
+        <p:spPr>
+          <a:xfrm>
+            <a:off x="895350" y="346075"/>
+            <a:ext cx="10515600" cy="1325563"/>
+          </a:xfrm>
+          <a:prstGeom prst="rect">
+            <a:avLst/>
+          </a:prstGeom>
+        </p:spPr>
+        <p:txBody>
+          <a:bodyPr vert="horz" lIns="91440" tIns="45720" rIns="91440" bIns="45720" rtlCol="0" anchor="ctr">
+            <a:normAutofit/>
+          </a:bodyPr>
+          <a:lstStyle>
+            <a:lvl1pPr algn="l" defTabSz="914400" rtl="0" eaLnBrk="1" latinLnBrk="0" hangingPunct="1">
+              <a:lnSpc>
+                <a:spcPct val="90000"/>
+              </a:lnSpc>
+              <a:spcBef>
+                <a:spcPct val="0"/>
+              </a:spcBef>
+              <a:buNone/>
+              <a:defRPr sz="4400" kern="1200">
+                <a:solidFill>
+                  <a:schemeClr val="tx1"/>
+                </a:solidFill>
+                <a:latin typeface="+mj-lt"/>
+                <a:ea typeface="+mj-ea"/>
+                <a:cs typeface="+mj-cs"/>
+              </a:defRPr>
+            </a:lvl1pPr>
+          </a:lstStyle>
+          <a:p>
+            <a:pPr algn="ctr"/>
+            <a:r>
+              <a:rPr lang="es-AR" b="1" dirty="0"/>
+              <a:t>Conclusión:</a:t>
+            </a:r>
+            <a:endParaRPr lang="es-AR" b="1" dirty="0">
+              <a:effectLst>
+                <a:outerShdw blurRad="38100" dist="38100" dir="2700000" algn="tl">
+                  <a:srgbClr val="000000">
+                    <a:alpha val="43137"/>
+                  </a:srgbClr>
+                </a:outerShdw>
+              </a:effectLst>
+            </a:endParaRPr>
+          </a:p>
+        </p:txBody>
+      </p:sp>
+      <p:sp>
+        <p:nvSpPr>
+          <p:cNvPr id="12" name="CuadroTexto 11"/>
+          <p:cNvSpPr txBox="1"/>
+          <p:nvPr/>
+        </p:nvSpPr>
+        <p:spPr>
+          <a:xfrm>
+            <a:off x="9458325" y="6273225"/>
+            <a:ext cx="2733675" cy="584775"/>
+          </a:xfrm>
+          <a:prstGeom prst="rect">
+            <a:avLst/>
+          </a:prstGeom>
+          <a:noFill/>
+        </p:spPr>
+        <p:txBody>
+          <a:bodyPr wrap="square" rtlCol="0">
+            <a:spAutoFit/>
+          </a:bodyPr>
+          <a:lstStyle/>
+          <a:p>
+            <a:r>
+              <a:rPr lang="es-AR" sz="1400" b="1" dirty="0" smtClean="0">
+                <a:solidFill>
+                  <a:schemeClr val="accent5">
+                    <a:lumMod val="75000"/>
+                  </a:schemeClr>
+                </a:solidFill>
+              </a:rPr>
+              <a:t>Martin Hernández</a:t>
+            </a:r>
+            <a:r>
+              <a:rPr lang="es-AR" sz="1400" dirty="0" smtClean="0">
+                <a:solidFill>
+                  <a:schemeClr val="accent5">
+                    <a:lumMod val="75000"/>
+                  </a:schemeClr>
+                </a:solidFill>
+              </a:rPr>
+              <a:t>. </a:t>
+            </a:r>
+            <a:r>
+              <a:rPr lang="es-AR" sz="1400" dirty="0" smtClean="0">
+                <a:solidFill>
+                  <a:srgbClr val="F4EE00"/>
+                </a:solidFill>
+                <a:effectLst>
+                  <a:outerShdw blurRad="38100" dist="38100" dir="2700000" algn="tl">
+                    <a:srgbClr val="000000">
+                      <a:alpha val="43137"/>
+                    </a:srgbClr>
+                  </a:outerShdw>
+                </a:effectLst>
+              </a:rPr>
+              <a:t>Ciberseguridad</a:t>
+            </a:r>
+            <a:r>
+              <a:rPr lang="es-AR" dirty="0"/>
+              <a:t/>
+            </a:r>
+            <a:br>
+              <a:rPr lang="es-AR" dirty="0"/>
+            </a:br>
+            <a:endParaRPr lang="es-AR" dirty="0"/>
+          </a:p>
+        </p:txBody>
+      </p:sp>
+      <p:sp>
+        <p:nvSpPr>
+          <p:cNvPr id="5" name="Título 1"/>
+          <p:cNvSpPr txBox="1">
+            <a:spLocks/>
+          </p:cNvSpPr>
+          <p:nvPr/>
+        </p:nvSpPr>
+        <p:spPr>
+          <a:xfrm>
+            <a:off x="228600" y="1247774"/>
+            <a:ext cx="11677650" cy="5267325"/>
+          </a:xfrm>
+          <a:prstGeom prst="rect">
+            <a:avLst/>
+          </a:prstGeom>
+        </p:spPr>
+        <p:txBody>
+          <a:bodyPr vert="horz" lIns="91440" tIns="45720" rIns="91440" bIns="45720" rtlCol="0" anchor="ctr">
+            <a:noAutofit/>
+          </a:bodyPr>
+          <a:lstStyle>
+            <a:lvl1pPr algn="l" defTabSz="914400" rtl="0" eaLnBrk="1" latinLnBrk="0" hangingPunct="1">
+              <a:lnSpc>
+                <a:spcPct val="90000"/>
+              </a:lnSpc>
+              <a:spcBef>
+                <a:spcPct val="0"/>
+              </a:spcBef>
+              <a:buNone/>
+              <a:defRPr sz="4400" kern="1200">
+                <a:solidFill>
+                  <a:schemeClr val="tx1"/>
+                </a:solidFill>
+                <a:latin typeface="+mj-lt"/>
+                <a:ea typeface="+mj-ea"/>
+                <a:cs typeface="+mj-cs"/>
+              </a:defRPr>
+            </a:lvl1pPr>
+          </a:lstStyle>
+          <a:p>
+            <a:r>
+              <a:rPr lang="es-AR" sz="1800" dirty="0" smtClean="0"/>
+              <a:t>Día </a:t>
+            </a:r>
+            <a:r>
+              <a:rPr lang="es-AR" sz="1800" dirty="0"/>
+              <a:t>a día surgen nuevas técnicas de </a:t>
+            </a:r>
+            <a:r>
+              <a:rPr lang="es-AR" sz="1800" dirty="0" smtClean="0"/>
+              <a:t>ataque, desde </a:t>
+            </a:r>
+            <a:r>
+              <a:rPr lang="es-AR" sz="1800" dirty="0"/>
+              <a:t>explotación de </a:t>
+            </a:r>
+            <a:r>
+              <a:rPr lang="es-AR" sz="1800" dirty="0" smtClean="0"/>
+              <a:t>vulnerabilidades hasta </a:t>
+            </a:r>
+            <a:r>
+              <a:rPr lang="es-AR" sz="1800" dirty="0" err="1" smtClean="0"/>
+              <a:t>malware’s</a:t>
+            </a:r>
+            <a:r>
+              <a:rPr lang="es-AR" sz="1800" dirty="0" smtClean="0"/>
+              <a:t> </a:t>
+            </a:r>
+            <a:r>
+              <a:rPr lang="es-AR" sz="1800" dirty="0"/>
+              <a:t>cada vez más </a:t>
+            </a:r>
+            <a:r>
+              <a:rPr lang="es-AR" sz="1800" dirty="0" smtClean="0"/>
+              <a:t>sofisticados </a:t>
+            </a:r>
+            <a:r>
+              <a:rPr lang="es-AR" sz="1800" dirty="0"/>
+              <a:t>con el único propósito de comprometer la </a:t>
+            </a:r>
+            <a:r>
+              <a:rPr lang="es-AR" sz="1800" dirty="0" smtClean="0"/>
+              <a:t>privacidad, </a:t>
+            </a:r>
+            <a:r>
+              <a:rPr lang="es-AR" sz="1800" dirty="0"/>
+              <a:t>integridad y disponibilidad de la </a:t>
+            </a:r>
+            <a:r>
+              <a:rPr lang="es-AR" sz="1800" dirty="0" smtClean="0"/>
+              <a:t>información. </a:t>
+            </a:r>
+            <a:r>
+              <a:rPr lang="es-AR" sz="1800" dirty="0"/>
+              <a:t>Por ello, es imprescindible adoptar un conjunto sistemas, técnicas y controles, centrado en prevención, detección, respuesta y recuperación, </a:t>
+            </a:r>
+            <a:r>
+              <a:rPr lang="es-AR" sz="1800" dirty="0" smtClean="0"/>
+              <a:t>que garantizará, que</a:t>
+            </a:r>
+            <a:r>
+              <a:rPr lang="es-AR" sz="1800" dirty="0"/>
+              <a:t>, ante un posible nuevo incidente, la organización minimice la superficie de ataque, brechas de </a:t>
+            </a:r>
+            <a:r>
+              <a:rPr lang="es-AR" sz="1800" dirty="0" smtClean="0"/>
+              <a:t>seguridad, detecte </a:t>
+            </a:r>
+            <a:r>
+              <a:rPr lang="es-AR" sz="1800" dirty="0"/>
+              <a:t>tempranamente actividades maliciosas</a:t>
+            </a:r>
+            <a:r>
+              <a:rPr lang="es-AR" sz="1800" dirty="0" smtClean="0"/>
+              <a:t>, contenga </a:t>
+            </a:r>
+            <a:r>
+              <a:rPr lang="es-AR" sz="1800" dirty="0"/>
+              <a:t>rápidamente la propagación y recupere sus operaciones con la menor interrupción posible. Es por ello que se recomienda seguir la propuesta y solución de </a:t>
+            </a:r>
+            <a:r>
+              <a:rPr lang="es-AR" sz="1800" dirty="0" smtClean="0"/>
+              <a:t>mejora detallada para un </a:t>
+            </a:r>
+            <a:r>
+              <a:rPr lang="es-AR" sz="1800" dirty="0"/>
+              <a:t>enfoque de defensa en profundidad, priorizando su adopción progresiva según el nivel de madurez y riesgo de la </a:t>
+            </a:r>
+            <a:r>
+              <a:rPr lang="es-AR" sz="1800" dirty="0" smtClean="0"/>
+              <a:t>organización. Esta, esta compuesto </a:t>
+            </a:r>
+            <a:r>
+              <a:rPr lang="es-AR" sz="1800" dirty="0"/>
+              <a:t>por cuatro pilares clave:</a:t>
+            </a:r>
+            <a:br>
+              <a:rPr lang="es-AR" sz="1800" dirty="0"/>
+            </a:br>
+            <a:r>
+              <a:rPr lang="es-AR" sz="1800" dirty="0" smtClean="0"/>
+              <a:t/>
+            </a:r>
+            <a:br>
+              <a:rPr lang="es-AR" sz="1800" dirty="0" smtClean="0"/>
+            </a:br>
+            <a:r>
+              <a:rPr lang="es-AR" sz="1800" b="1" dirty="0" smtClean="0"/>
+              <a:t>Prevención: </a:t>
+            </a:r>
+            <a:r>
+              <a:rPr lang="es-AR" sz="1800" dirty="0" smtClean="0"/>
+              <a:t>Gestión </a:t>
+            </a:r>
+            <a:r>
+              <a:rPr lang="es-AR" sz="1800" dirty="0"/>
+              <a:t>de </a:t>
+            </a:r>
+            <a:r>
+              <a:rPr lang="es-AR" sz="1800" dirty="0" smtClean="0"/>
+              <a:t>vulnerabilidades, Control </a:t>
+            </a:r>
+            <a:r>
+              <a:rPr lang="es-AR" sz="1800" dirty="0"/>
+              <a:t>de </a:t>
+            </a:r>
+            <a:r>
+              <a:rPr lang="es-AR" sz="1800" dirty="0" smtClean="0"/>
+              <a:t>accesos (contraseñas complejas y MFA) y </a:t>
+            </a:r>
+            <a:r>
+              <a:rPr lang="es-AR" sz="1800" dirty="0" err="1" smtClean="0"/>
+              <a:t>Hardening</a:t>
+            </a:r>
+            <a:r>
+              <a:rPr lang="es-AR" sz="1800" dirty="0" smtClean="0"/>
+              <a:t> </a:t>
+            </a:r>
+            <a:r>
+              <a:rPr lang="es-AR" sz="1800" dirty="0"/>
+              <a:t>de </a:t>
+            </a:r>
+            <a:r>
+              <a:rPr lang="es-AR" sz="1800" dirty="0" smtClean="0"/>
+              <a:t>sistemas.</a:t>
+            </a:r>
+            <a:endParaRPr lang="es-AR" sz="1800" dirty="0"/>
+          </a:p>
+          <a:p>
+            <a:endParaRPr lang="es-AR" sz="1800" dirty="0"/>
+          </a:p>
+          <a:p>
+            <a:r>
+              <a:rPr lang="es-AR" sz="1800" b="1" dirty="0"/>
+              <a:t>Detección</a:t>
+            </a:r>
+            <a:r>
+              <a:rPr lang="es-AR" sz="1800" b="1" dirty="0" smtClean="0"/>
+              <a:t>: </a:t>
+            </a:r>
+            <a:r>
+              <a:rPr lang="es-AR" sz="1800" dirty="0" smtClean="0"/>
+              <a:t>Monitorización continua, Sistemas EDR o XDR </a:t>
+            </a:r>
+            <a:r>
+              <a:rPr lang="es-AR" sz="1800" dirty="0"/>
+              <a:t>y análisis de </a:t>
+            </a:r>
+            <a:r>
+              <a:rPr lang="es-AR" sz="1800" dirty="0" smtClean="0"/>
+              <a:t>tráfico.</a:t>
+            </a:r>
+            <a:endParaRPr lang="es-AR" sz="1800" dirty="0"/>
+          </a:p>
+          <a:p>
+            <a:r>
+              <a:rPr lang="es-AR" sz="1800" dirty="0" smtClean="0"/>
+              <a:t/>
+            </a:r>
+            <a:br>
+              <a:rPr lang="es-AR" sz="1800" dirty="0" smtClean="0"/>
+            </a:br>
+            <a:r>
+              <a:rPr lang="es-AR" sz="1800" b="1" dirty="0" smtClean="0"/>
+              <a:t>Respuesta: </a:t>
+            </a:r>
+            <a:r>
+              <a:rPr lang="es-AR" sz="1800" dirty="0" smtClean="0"/>
+              <a:t>Aislamiento </a:t>
+            </a:r>
+            <a:r>
+              <a:rPr lang="es-AR" sz="1800" dirty="0"/>
+              <a:t>de hosts, bloqueo de </a:t>
+            </a:r>
+            <a:r>
+              <a:rPr lang="es-AR" sz="1800" dirty="0" smtClean="0"/>
+              <a:t>cuentas, reglas </a:t>
+            </a:r>
+            <a:r>
+              <a:rPr lang="es-AR" sz="1800" dirty="0"/>
+              <a:t>de </a:t>
+            </a:r>
+            <a:r>
+              <a:rPr lang="es-AR" sz="1800" dirty="0" smtClean="0"/>
+              <a:t>firewall, </a:t>
+            </a:r>
+            <a:r>
+              <a:rPr lang="es-AR" sz="1800" dirty="0"/>
+              <a:t>y </a:t>
+            </a:r>
+            <a:r>
+              <a:rPr lang="es-AR" sz="1800" dirty="0" smtClean="0"/>
+              <a:t>pruebas de Pen </a:t>
+            </a:r>
+            <a:r>
+              <a:rPr lang="es-AR" sz="1800" dirty="0" err="1" smtClean="0"/>
+              <a:t>Testing</a:t>
+            </a:r>
+            <a:r>
+              <a:rPr lang="es-AR" sz="1800" dirty="0" smtClean="0"/>
+              <a:t> para </a:t>
+            </a:r>
+            <a:r>
+              <a:rPr lang="es-AR" sz="1800" dirty="0"/>
+              <a:t>actuar con rapidez y eficacia.</a:t>
+            </a:r>
+          </a:p>
+          <a:p>
+            <a:endParaRPr lang="es-AR" sz="1800" dirty="0"/>
+          </a:p>
+          <a:p>
+            <a:r>
+              <a:rPr lang="es-AR" sz="1800" b="1" dirty="0"/>
+              <a:t>Recuperación</a:t>
+            </a:r>
+            <a:r>
+              <a:rPr lang="es-AR" sz="1800" b="1" dirty="0" smtClean="0"/>
+              <a:t>: </a:t>
+            </a:r>
+            <a:r>
+              <a:rPr lang="es-AR" sz="1800" dirty="0" smtClean="0"/>
+              <a:t>Back ups </a:t>
+            </a:r>
+            <a:r>
+              <a:rPr lang="es-AR" sz="1800" dirty="0"/>
+              <a:t>inmutables y </a:t>
+            </a:r>
+            <a:r>
+              <a:rPr lang="es-AR" sz="1800" dirty="0" smtClean="0"/>
+              <a:t>fuera de línea (Estrategia </a:t>
+            </a:r>
+            <a:r>
+              <a:rPr lang="es-AR" sz="1800" dirty="0"/>
+              <a:t>3-2-1 con copias </a:t>
+            </a:r>
+            <a:r>
+              <a:rPr lang="es-AR" sz="1800" dirty="0" smtClean="0"/>
+              <a:t>versionadas), probando </a:t>
+            </a:r>
+            <a:r>
+              <a:rPr lang="es-AR" sz="1800" dirty="0"/>
+              <a:t>restauraciones de forma </a:t>
+            </a:r>
+            <a:r>
+              <a:rPr lang="es-AR" sz="1800" dirty="0" smtClean="0"/>
+              <a:t>periódica. </a:t>
+            </a:r>
+            <a:br>
+              <a:rPr lang="es-AR" sz="1800" dirty="0" smtClean="0"/>
+            </a:br>
+            <a:r>
+              <a:rPr lang="es-AR" sz="1800" dirty="0" smtClean="0"/>
+              <a:t/>
+            </a:r>
+            <a:br>
+              <a:rPr lang="es-AR" sz="1800" dirty="0" smtClean="0"/>
+            </a:br>
+            <a:r>
+              <a:rPr lang="es-AR" sz="1800" b="1" dirty="0" smtClean="0"/>
+              <a:t>Lecciones </a:t>
+            </a:r>
+            <a:r>
+              <a:rPr lang="es-AR" sz="1800" b="1" dirty="0"/>
+              <a:t>aprendidas y mejora continua: </a:t>
+            </a:r>
+            <a:r>
+              <a:rPr lang="es-AR" sz="1800" dirty="0" smtClean="0"/>
+              <a:t>Concientización sobre la Ciberseguridad y tras </a:t>
+            </a:r>
+            <a:r>
+              <a:rPr lang="es-AR" sz="1800" dirty="0"/>
+              <a:t>cada incidente, realizar análisis forense, revisar controles y actualizar políticas, herramientas y formación del personal</a:t>
+            </a:r>
+            <a:r>
+              <a:rPr lang="es-AR" sz="1800" dirty="0" smtClean="0"/>
+              <a:t>.</a:t>
+            </a:r>
+            <a:endParaRPr lang="es-AR" sz="1800" dirty="0"/>
+          </a:p>
+        </p:txBody>
+      </p:sp>
+    </p:spTree>
+    <p:extLst>
+      <p:ext uri="{BB962C8B-B14F-4D97-AF65-F5344CB8AC3E}">
+        <p14:creationId xmlns:p14="http://schemas.microsoft.com/office/powerpoint/2010/main" val="1092575569"/>
+      </p:ext>
+    </p:extLst>
+  </p:cSld>
+  <p:clrMapOvr>
+    <a:masterClrMapping/>
+  </p:clrMapOvr>
+  <p:timing>
+    <p:tnLst>
+      <p:par>
+        <p:cTn id="1" dur="indefinite" restart="never" nodeType="tmRoot"/>
+      </p:par>
+    </p:tnLst>
+  </p:timing>
+</p:sld>
+</file>
+
+<file path=ppt/slides/slide29.xml><?xml version="1.0" encoding="utf-8"?>
+<p:sld xmlns:a="http://schemas.openxmlformats.org/drawingml/2006/main" xmlns:r="http://schemas.openxmlformats.org/officeDocument/2006/relationships" xmlns:p="http://schemas.openxmlformats.org/presentationml/2006/main">
+  <p:cSld>
+    <p:bg>
+      <p:bgPr>
+        <a:gradFill>
+          <a:gsLst>
+            <a:gs pos="0">
+              <a:srgbClr val="FFFF66"/>
+            </a:gs>
+            <a:gs pos="43000">
+              <a:schemeClr val="accent1">
+                <a:lumMod val="60000"/>
+                <a:lumOff val="40000"/>
+              </a:schemeClr>
+            </a:gs>
+            <a:gs pos="76000">
+              <a:schemeClr val="accent1">
+                <a:lumMod val="40000"/>
+                <a:lumOff val="60000"/>
+              </a:schemeClr>
+            </a:gs>
+            <a:gs pos="100000">
+              <a:schemeClr val="accent1">
+                <a:lumMod val="20000"/>
+                <a:lumOff val="80000"/>
+              </a:schemeClr>
+            </a:gs>
+          </a:gsLst>
+          <a:lin ang="5400000" scaled="1"/>
+        </a:gradFill>
+        <a:effectLst/>
+      </p:bgPr>
+    </p:bg>
+    <p:spTree>
+      <p:nvGrpSpPr>
+        <p:cNvPr id="1" name=""/>
+        <p:cNvGrpSpPr/>
+        <p:nvPr/>
+      </p:nvGrpSpPr>
+      <p:grpSpPr>
+        <a:xfrm>
+          <a:off x="0" y="0"/>
+          <a:ext cx="0" cy="0"/>
+          <a:chOff x="0" y="0"/>
+          <a:chExt cx="0" cy="0"/>
+        </a:xfrm>
+      </p:grpSpPr>
+      <p:sp>
+        <p:nvSpPr>
           <p:cNvPr id="2" name="Título 1"/>
           <p:cNvSpPr>
             <a:spLocks noGrp="1"/>
@@ -12562,7 +13717,7 @@
           <a:p>
             <a:pPr algn="ctr"/>
             <a:r>
-              <a:rPr lang="es-ES" sz="8000" b="1" dirty="0" err="1" smtClean="0">
+              <a:rPr lang="es-ES" sz="8000" b="1" dirty="0" smtClean="0">
                 <a:effectLst>
                   <a:outerShdw blurRad="38100" dist="38100" dir="2700000" algn="tl">
                     <a:srgbClr val="000000">
@@ -13807,21 +14962,30 @@
               <a:buAutoNum type="arabicPeriod"/>
             </a:pPr>
             <a:r>
-              <a:rPr lang="es-AR" dirty="0"/>
+              <a:rPr lang="es-AR" dirty="0">
+                <a:hlinkClick r:id="rId2" action="ppaction://hlinksldjump"/>
+              </a:rPr>
               <a:t>Identificar </a:t>
             </a:r>
             <a:r>
-              <a:rPr lang="es-AR" dirty="0" smtClean="0"/>
+              <a:rPr lang="es-AR" dirty="0" smtClean="0">
+                <a:hlinkClick r:id="rId2" action="ppaction://hlinksldjump"/>
+              </a:rPr>
               <a:t>y justificar qué </a:t>
             </a:r>
             <a:r>
-              <a:rPr lang="es-AR" dirty="0"/>
+              <a:rPr lang="es-AR" dirty="0">
+                <a:hlinkClick r:id="rId2" action="ppaction://hlinksldjump"/>
+              </a:rPr>
               <a:t>acciones llevadas por el área de soporte técnico </a:t>
             </a:r>
             <a:r>
-              <a:rPr lang="es-AR" dirty="0" smtClean="0"/>
+              <a:rPr lang="es-AR" dirty="0" smtClean="0">
+                <a:hlinkClick r:id="rId2" action="ppaction://hlinksldjump"/>
+              </a:rPr>
               <a:t>fueron correctas e incorrectas.</a:t>
             </a:r>
+            <a:endParaRPr lang="es-AR" dirty="0" smtClean="0"/>
           </a:p>
           <a:p>
             <a:pPr marL="342900" indent="-342900">
@@ -13829,21 +14993,30 @@
               <a:buAutoNum type="arabicPeriod"/>
             </a:pPr>
             <a:r>
-              <a:rPr lang="es-AR" dirty="0"/>
+              <a:rPr lang="es-AR" dirty="0">
+                <a:hlinkClick r:id="rId3" action="ppaction://hlinksldjump"/>
+              </a:rPr>
               <a:t>Identificar la muestra de malware (Tipo), </a:t>
             </a:r>
             <a:r>
-              <a:rPr lang="es-AR" dirty="0" smtClean="0"/>
+              <a:rPr lang="es-AR" dirty="0" smtClean="0">
+                <a:hlinkClick r:id="rId3" action="ppaction://hlinksldjump"/>
+              </a:rPr>
               <a:t>detalles, comportamiento </a:t>
             </a:r>
             <a:r>
-              <a:rPr lang="es-AR" dirty="0"/>
+              <a:rPr lang="es-AR" dirty="0">
+                <a:hlinkClick r:id="rId3" action="ppaction://hlinksldjump"/>
+              </a:rPr>
               <a:t>y posibles vectores de ataque</a:t>
             </a:r>
             <a:r>
-              <a:rPr lang="es-AR" dirty="0" smtClean="0"/>
+              <a:rPr lang="es-AR" dirty="0" smtClean="0">
+                <a:hlinkClick r:id="rId3" action="ppaction://hlinksldjump"/>
+              </a:rPr>
               <a:t>.</a:t>
             </a:r>
+            <a:endParaRPr lang="es-AR" dirty="0" smtClean="0"/>
           </a:p>
           <a:p>
             <a:pPr marL="342900" indent="-342900">
@@ -13851,13 +15024,18 @@
               <a:buAutoNum type="arabicPeriod"/>
             </a:pPr>
             <a:r>
-              <a:rPr lang="es-AR" dirty="0"/>
+              <a:rPr lang="es-AR" dirty="0">
+                <a:hlinkClick r:id="rId4" action="ppaction://hlinksldjump"/>
+              </a:rPr>
               <a:t>Identificar las posibles acciones que realizó el atacante en los </a:t>
             </a:r>
             <a:r>
-              <a:rPr lang="es-AR" dirty="0" smtClean="0"/>
+              <a:rPr lang="es-AR" dirty="0" smtClean="0">
+                <a:hlinkClick r:id="rId4" action="ppaction://hlinksldjump"/>
+              </a:rPr>
               <a:t>sistemas.</a:t>
             </a:r>
+            <a:endParaRPr lang="es-AR" dirty="0" smtClean="0"/>
           </a:p>
           <a:p>
             <a:pPr marL="342900" indent="-342900">
@@ -13865,15 +15043,21 @@
               <a:buAutoNum type="arabicPeriod"/>
             </a:pPr>
             <a:r>
-              <a:rPr lang="es-AR" dirty="0"/>
+              <a:rPr lang="es-AR" dirty="0">
+                <a:hlinkClick r:id="rId5" action="ppaction://hlinksldjump"/>
+              </a:rPr>
               <a:t>Diseñar una solución (Propuesta) para evitar este tipo de incidente y mejorar la </a:t>
             </a:r>
             <a:r>
-              <a:rPr lang="es-AR" dirty="0" smtClean="0"/>
+              <a:rPr lang="es-AR" dirty="0" smtClean="0">
+                <a:hlinkClick r:id="rId5" action="ppaction://hlinksldjump"/>
+              </a:rPr>
               <a:t>postura de </a:t>
             </a:r>
             <a:r>
-              <a:rPr lang="es-AR" dirty="0"/>
+              <a:rPr lang="es-AR" dirty="0">
+                <a:hlinkClick r:id="rId5" action="ppaction://hlinksldjump"/>
+              </a:rPr>
               <a:t>ciberseguridad de Corporación </a:t>
             </a:r>
             <a:r>
@@ -13885,6 +15069,7 @@
                     </a:srgbClr>
                   </a:outerShdw>
                 </a:effectLst>
+                <a:hlinkClick r:id="rId5" action="ppaction://hlinksldjump"/>
               </a:rPr>
               <a:t>LexCorp</a:t>
             </a:r>
@@ -13897,6 +15082,7 @@
                     </a:srgbClr>
                   </a:outerShdw>
                 </a:effectLst>
+                <a:hlinkClick r:id="rId5" action="ppaction://hlinksldjump"/>
               </a:rPr>
               <a:t>.</a:t>
             </a:r>
@@ -14463,7 +15649,7 @@
           <p:nvPr>
             <p:extLst>
               <p:ext uri="{D42A27DB-BD31-4B8C-83A1-F6EECF244321}">
-                <p14:modId xmlns:p14="http://schemas.microsoft.com/office/powerpoint/2010/main" val="1416722938"/>
+                <p14:modId xmlns:p14="http://schemas.microsoft.com/office/powerpoint/2010/main" val="490552081"/>
               </p:ext>
             </p:extLst>
           </p:nvPr>
@@ -14640,7 +15826,7 @@
                       <a:pPr algn="just"/>
                       <a:r>
                         <a:rPr lang="es-AR" sz="1100" dirty="0" smtClean="0"/>
-                        <a:t>Identificaron los equipos afectados y les realizaron el apagado inmediatamente el día 23 de junio.</a:t>
+                        <a:t>Apagaron, el mismo día 23 de junio, las máquinas que se habían identificado como afectadas durante el incidente.</a:t>
                       </a:r>
                       <a:endParaRPr lang="es-AR" sz="1100" dirty="0"/>
                     </a:p>
@@ -14790,7 +15976,7 @@
                       <a:pPr algn="just"/>
                       <a:r>
                         <a:rPr lang="es-AR" sz="1100" dirty="0" smtClean="0"/>
-                        <a:t>En equipos que disponían de copia de seguridad (back up), se restauraron al estado  de la fecha de último back up disponible previo al ataque). Solo un 10% del parque contaba con back up.</a:t>
+                        <a:t>En las máquinas que disponían de copia de seguridad (back up), restauraron al estado correspondiente al día 19 de junio (fecha de último back up disponible previo al ataque). Solo un 10% del Parque contaba con back up.</a:t>
                       </a:r>
                       <a:endParaRPr lang="es-AR" sz="1100" dirty="0"/>
                     </a:p>
@@ -15575,7 +16761,7 @@
               <a:t>sobre el análisis de la muestra analizada con </a:t>
             </a:r>
             <a:r>
-              <a:rPr lang="es-AR" b="1" dirty="0" err="1">
+              <a:rPr lang="es-AR" b="1" dirty="0">
                 <a:effectLst>
                   <a:outerShdw blurRad="38100" dist="38100" dir="2700000" algn="tl">
                     <a:srgbClr val="000000">
@@ -15600,7 +16786,7 @@
               <a:t> y </a:t>
             </a:r>
             <a:r>
-              <a:rPr lang="es-AR" b="1" dirty="0" err="1" smtClean="0">
+              <a:rPr lang="es-AR" b="1" dirty="0" smtClean="0">
                 <a:effectLst>
                   <a:outerShdw blurRad="38100" dist="38100" dir="2700000" algn="tl">
                     <a:srgbClr val="000000">
@@ -16356,4 +17542,265 @@
     </a:ext>
   </a:extLst>
 </a:theme>
+</file>
+
+<file path=ppt/theme/theme2.xml><?xml version="1.0" encoding="utf-8"?>
+<a:theme xmlns:a="http://schemas.openxmlformats.org/drawingml/2006/main" name="Tema de Office">
+  <a:themeElements>
+    <a:clrScheme name="Office">
+      <a:dk1>
+        <a:sysClr val="windowText" lastClr="000000"/>
+      </a:dk1>
+      <a:lt1>
+        <a:sysClr val="window" lastClr="FFFFFF"/>
+      </a:lt1>
+      <a:dk2>
+        <a:srgbClr val="44546A"/>
+      </a:dk2>
+      <a:lt2>
+        <a:srgbClr val="E7E6E6"/>
+      </a:lt2>
+      <a:accent1>
+        <a:srgbClr val="5B9BD5"/>
+      </a:accent1>
+      <a:accent2>
+        <a:srgbClr val="ED7D31"/>
+      </a:accent2>
+      <a:accent3>
+        <a:srgbClr val="A5A5A5"/>
+      </a:accent3>
+      <a:accent4>
+        <a:srgbClr val="FFC000"/>
+      </a:accent4>
+      <a:accent5>
+        <a:srgbClr val="4472C4"/>
+      </a:accent5>
+      <a:accent6>
+        <a:srgbClr val="70AD47"/>
+      </a:accent6>
+      <a:hlink>
+        <a:srgbClr val="0563C1"/>
+      </a:hlink>
+      <a:folHlink>
+        <a:srgbClr val="954F72"/>
+      </a:folHlink>
+    </a:clrScheme>
+    <a:fontScheme name="Office">
+      <a:majorFont>
+        <a:latin typeface="Calibri Light" panose="020F0302020204030204"/>
+        <a:ea typeface=""/>
+        <a:cs typeface=""/>
+        <a:font script="Jpan" typeface="游ゴシック Light"/>
+        <a:font script="Hang" typeface="맑은 고딕"/>
+        <a:font script="Hans" typeface="等线 Light"/>
+        <a:font script="Hant" typeface="新細明體"/>
+        <a:font script="Arab" typeface="Times New Roman"/>
+        <a:font script="Hebr" typeface="Times New Roman"/>
+        <a:font script="Thai" typeface="Angsana New"/>
+        <a:font script="Ethi" typeface="Nyala"/>
+        <a:font script="Beng" typeface="Vrinda"/>
+        <a:font script="Gujr" typeface="Shruti"/>
+        <a:font script="Khmr" typeface="MoolBoran"/>
+        <a:font script="Knda" typeface="Tunga"/>
+        <a:font script="Guru" typeface="Raavi"/>
+        <a:font script="Cans" typeface="Euphemia"/>
+        <a:font script="Cher" typeface="Plantagenet Cherokee"/>
+        <a:font script="Yiii" typeface="Microsoft Yi Baiti"/>
+        <a:font script="Tibt" typeface="Microsoft Himalaya"/>
+        <a:font script="Thaa" typeface="MV Boli"/>
+        <a:font script="Deva" typeface="Mangal"/>
+        <a:font script="Telu" typeface="Gautami"/>
+        <a:font script="Taml" typeface="Latha"/>
+        <a:font script="Syrc" typeface="Estrangelo Edessa"/>
+        <a:font script="Orya" typeface="Kalinga"/>
+        <a:font script="Mlym" typeface="Kartika"/>
+        <a:font script="Laoo" typeface="DokChampa"/>
+        <a:font script="Sinh" typeface="Iskoola Pota"/>
+        <a:font script="Mong" typeface="Mongolian Baiti"/>
+        <a:font script="Viet" typeface="Times New Roman"/>
+        <a:font script="Uigh" typeface="Microsoft Uighur"/>
+        <a:font script="Geor" typeface="Sylfaen"/>
+      </a:majorFont>
+      <a:minorFont>
+        <a:latin typeface="Calibri" panose="020F0502020204030204"/>
+        <a:ea typeface=""/>
+        <a:cs typeface=""/>
+        <a:font script="Jpan" typeface="游ゴシック"/>
+        <a:font script="Hang" typeface="맑은 고딕"/>
+        <a:font script="Hans" typeface="等线"/>
+        <a:font script="Hant" typeface="新細明體"/>
+        <a:font script="Arab" typeface="Arial"/>
+        <a:font script="Hebr" typeface="Arial"/>
+        <a:font script="Thai" typeface="Cordia New"/>
+        <a:font script="Ethi" typeface="Nyala"/>
+        <a:font script="Beng" typeface="Vrinda"/>
+        <a:font script="Gujr" typeface="Shruti"/>
+        <a:font script="Khmr" typeface="DaunPenh"/>
+        <a:font script="Knda" typeface="Tunga"/>
+        <a:font script="Guru" typeface="Raavi"/>
+        <a:font script="Cans" typeface="Euphemia"/>
+        <a:font script="Cher" typeface="Plantagenet Cherokee"/>
+        <a:font script="Yiii" typeface="Microsoft Yi Baiti"/>
+        <a:font script="Tibt" typeface="Microsoft Himalaya"/>
+        <a:font script="Thaa" typeface="MV Boli"/>
+        <a:font script="Deva" typeface="Mangal"/>
+        <a:font script="Telu" typeface="Gautami"/>
+        <a:font script="Taml" typeface="Latha"/>
+        <a:font script="Syrc" typeface="Estrangelo Edessa"/>
+        <a:font script="Orya" typeface="Kalinga"/>
+        <a:font script="Mlym" typeface="Kartika"/>
+        <a:font script="Laoo" typeface="DokChampa"/>
+        <a:font script="Sinh" typeface="Iskoola Pota"/>
+        <a:font script="Mong" typeface="Mongolian Baiti"/>
+        <a:font script="Viet" typeface="Arial"/>
+        <a:font script="Uigh" typeface="Microsoft Uighur"/>
+        <a:font script="Geor" typeface="Sylfaen"/>
+      </a:minorFont>
+    </a:fontScheme>
+    <a:fmtScheme name="Office">
+      <a:fillStyleLst>
+        <a:solidFill>
+          <a:schemeClr val="phClr"/>
+        </a:solidFill>
+        <a:gradFill rotWithShape="1">
+          <a:gsLst>
+            <a:gs pos="0">
+              <a:schemeClr val="phClr">
+                <a:lumMod val="110000"/>
+                <a:satMod val="105000"/>
+                <a:tint val="67000"/>
+              </a:schemeClr>
+            </a:gs>
+            <a:gs pos="50000">
+              <a:schemeClr val="phClr">
+                <a:lumMod val="105000"/>
+                <a:satMod val="103000"/>
+                <a:tint val="73000"/>
+              </a:schemeClr>
+            </a:gs>
+            <a:gs pos="100000">
+              <a:schemeClr val="phClr">
+                <a:lumMod val="105000"/>
+                <a:satMod val="109000"/>
+                <a:tint val="81000"/>
+              </a:schemeClr>
+            </a:gs>
+          </a:gsLst>
+          <a:lin ang="5400000" scaled="0"/>
+        </a:gradFill>
+        <a:gradFill rotWithShape="1">
+          <a:gsLst>
+            <a:gs pos="0">
+              <a:schemeClr val="phClr">
+                <a:satMod val="103000"/>
+                <a:lumMod val="102000"/>
+                <a:tint val="94000"/>
+              </a:schemeClr>
+            </a:gs>
+            <a:gs pos="50000">
+              <a:schemeClr val="phClr">
+                <a:satMod val="110000"/>
+                <a:lumMod val="100000"/>
+                <a:shade val="100000"/>
+              </a:schemeClr>
+            </a:gs>
+            <a:gs pos="100000">
+              <a:schemeClr val="phClr">
+                <a:lumMod val="99000"/>
+                <a:satMod val="120000"/>
+                <a:shade val="78000"/>
+              </a:schemeClr>
+            </a:gs>
+          </a:gsLst>
+          <a:lin ang="5400000" scaled="0"/>
+        </a:gradFill>
+      </a:fillStyleLst>
+      <a:lnStyleLst>
+        <a:ln w="6350" cap="flat" cmpd="sng" algn="ctr">
+          <a:solidFill>
+            <a:schemeClr val="phClr"/>
+          </a:solidFill>
+          <a:prstDash val="solid"/>
+          <a:miter lim="800000"/>
+        </a:ln>
+        <a:ln w="12700" cap="flat" cmpd="sng" algn="ctr">
+          <a:solidFill>
+            <a:schemeClr val="phClr"/>
+          </a:solidFill>
+          <a:prstDash val="solid"/>
+          <a:miter lim="800000"/>
+        </a:ln>
+        <a:ln w="19050" cap="flat" cmpd="sng" algn="ctr">
+          <a:solidFill>
+            <a:schemeClr val="phClr"/>
+          </a:solidFill>
+          <a:prstDash val="solid"/>
+          <a:miter lim="800000"/>
+        </a:ln>
+      </a:lnStyleLst>
+      <a:effectStyleLst>
+        <a:effectStyle>
+          <a:effectLst/>
+        </a:effectStyle>
+        <a:effectStyle>
+          <a:effectLst/>
+        </a:effectStyle>
+        <a:effectStyle>
+          <a:effectLst>
+            <a:outerShdw blurRad="57150" dist="19050" dir="5400000" algn="ctr" rotWithShape="0">
+              <a:srgbClr val="000000">
+                <a:alpha val="63000"/>
+              </a:srgbClr>
+            </a:outerShdw>
+          </a:effectLst>
+        </a:effectStyle>
+      </a:effectStyleLst>
+      <a:bgFillStyleLst>
+        <a:solidFill>
+          <a:schemeClr val="phClr"/>
+        </a:solidFill>
+        <a:solidFill>
+          <a:schemeClr val="phClr">
+            <a:tint val="95000"/>
+            <a:satMod val="170000"/>
+          </a:schemeClr>
+        </a:solidFill>
+        <a:gradFill rotWithShape="1">
+          <a:gsLst>
+            <a:gs pos="0">
+              <a:schemeClr val="phClr">
+                <a:tint val="93000"/>
+                <a:satMod val="150000"/>
+                <a:shade val="98000"/>
+                <a:lumMod val="102000"/>
+              </a:schemeClr>
+            </a:gs>
+            <a:gs pos="50000">
+              <a:schemeClr val="phClr">
+                <a:tint val="98000"/>
+                <a:satMod val="130000"/>
+                <a:shade val="90000"/>
+                <a:lumMod val="103000"/>
+              </a:schemeClr>
+            </a:gs>
+            <a:gs pos="100000">
+              <a:schemeClr val="phClr">
+                <a:shade val="63000"/>
+                <a:satMod val="120000"/>
+              </a:schemeClr>
+            </a:gs>
+          </a:gsLst>
+          <a:lin ang="5400000" scaled="0"/>
+        </a:gradFill>
+      </a:bgFillStyleLst>
+    </a:fmtScheme>
+  </a:themeElements>
+  <a:objectDefaults/>
+  <a:extraClrSchemeLst/>
+  <a:extLst>
+    <a:ext uri="{05A4C25C-085E-4340-85A3-A5531E510DB2}">
+      <thm15:themeFamily xmlns:thm15="http://schemas.microsoft.com/office/thememl/2012/main" name="Office Theme" id="{62F939B6-93AF-4DB8-9C6B-D6C7DFDC589F}" vid="{4A3C46E8-61CC-4603-A589-7422A47A8E4A}"/>
+    </a:ext>
+  </a:extLst>
+</a:theme>
 </file>